--- a/수업자료_GM/jQuery/[JQUERY]교재_7ajax.pptx
+++ b/수업자료_GM/jQuery/[JQUERY]교재_7ajax.pptx
@@ -1,46 +1,47 @@
 
 <file path=ppt/presentation.xml><?xml version="1.0" encoding="utf-8"?>
-<p:presentation xmlns:r="http://schemas.openxmlformats.org/officeDocument/2006/relationships" xmlns:c="http://schemas.openxmlformats.org/drawingml/2006/chart" xmlns:a="http://schemas.openxmlformats.org/drawingml/2006/main" xmlns:dgm="http://schemas.openxmlformats.org/drawingml/2006/diagram" xmlns:dsp="http://schemas.microsoft.com/office/drawing/2008/diagram" xmlns:p="http://schemas.openxmlformats.org/presentationml/2006/main" saveSubsetFonts="1">
+<p:presentation xmlns:a="http://schemas.openxmlformats.org/drawingml/2006/main" xmlns:r="http://schemas.openxmlformats.org/officeDocument/2006/relationships" xmlns:p="http://schemas.openxmlformats.org/presentationml/2006/main" saveSubsetFonts="1">
   <p:sldMasterIdLst>
     <p:sldMasterId id="2147483676" r:id="rId1"/>
   </p:sldMasterIdLst>
   <p:notesMasterIdLst>
-    <p:notesMasterId r:id="rId2"/>
+    <p:notesMasterId r:id="rId33"/>
   </p:notesMasterIdLst>
   <p:handoutMasterIdLst>
-    <p:handoutMasterId r:id="rId3"/>
+    <p:handoutMasterId r:id="rId34"/>
   </p:handoutMasterIdLst>
   <p:sldIdLst>
-    <p:sldId id="256" r:id="rId4"/>
-    <p:sldId id="257" r:id="rId5"/>
-    <p:sldId id="258" r:id="rId6"/>
-    <p:sldId id="259" r:id="rId7"/>
-    <p:sldId id="260" r:id="rId8"/>
-    <p:sldId id="261" r:id="rId9"/>
-    <p:sldId id="262" r:id="rId10"/>
-    <p:sldId id="263" r:id="rId11"/>
-    <p:sldId id="264" r:id="rId12"/>
-    <p:sldId id="265" r:id="rId13"/>
-    <p:sldId id="266" r:id="rId14"/>
-    <p:sldId id="267" r:id="rId15"/>
-    <p:sldId id="268" r:id="rId16"/>
-    <p:sldId id="269" r:id="rId17"/>
-    <p:sldId id="270" r:id="rId18"/>
-    <p:sldId id="271" r:id="rId19"/>
-    <p:sldId id="272" r:id="rId20"/>
-    <p:sldId id="273" r:id="rId21"/>
-    <p:sldId id="274" r:id="rId22"/>
-    <p:sldId id="275" r:id="rId23"/>
-    <p:sldId id="276" r:id="rId24"/>
-    <p:sldId id="277" r:id="rId25"/>
-    <p:sldId id="278" r:id="rId26"/>
-    <p:sldId id="279" r:id="rId27"/>
-    <p:sldId id="280" r:id="rId28"/>
-    <p:sldId id="281" r:id="rId29"/>
-    <p:sldId id="282" r:id="rId30"/>
-    <p:sldId id="283" r:id="rId31"/>
-    <p:sldId id="284" r:id="rId32"/>
-    <p:sldId id="285" r:id="rId33"/>
+    <p:sldId id="256" r:id="rId2"/>
+    <p:sldId id="257" r:id="rId3"/>
+    <p:sldId id="258" r:id="rId4"/>
+    <p:sldId id="259" r:id="rId5"/>
+    <p:sldId id="286" r:id="rId6"/>
+    <p:sldId id="260" r:id="rId7"/>
+    <p:sldId id="261" r:id="rId8"/>
+    <p:sldId id="262" r:id="rId9"/>
+    <p:sldId id="263" r:id="rId10"/>
+    <p:sldId id="264" r:id="rId11"/>
+    <p:sldId id="265" r:id="rId12"/>
+    <p:sldId id="266" r:id="rId13"/>
+    <p:sldId id="267" r:id="rId14"/>
+    <p:sldId id="268" r:id="rId15"/>
+    <p:sldId id="269" r:id="rId16"/>
+    <p:sldId id="270" r:id="rId17"/>
+    <p:sldId id="271" r:id="rId18"/>
+    <p:sldId id="272" r:id="rId19"/>
+    <p:sldId id="273" r:id="rId20"/>
+    <p:sldId id="274" r:id="rId21"/>
+    <p:sldId id="275" r:id="rId22"/>
+    <p:sldId id="276" r:id="rId23"/>
+    <p:sldId id="277" r:id="rId24"/>
+    <p:sldId id="278" r:id="rId25"/>
+    <p:sldId id="279" r:id="rId26"/>
+    <p:sldId id="280" r:id="rId27"/>
+    <p:sldId id="281" r:id="rId28"/>
+    <p:sldId id="282" r:id="rId29"/>
+    <p:sldId id="283" r:id="rId30"/>
+    <p:sldId id="284" r:id="rId31"/>
+    <p:sldId id="285" r:id="rId32"/>
   </p:sldIdLst>
   <p:sldSz cx="9144000" cy="6858000" type="screen4x3"/>
   <p:notesSz cx="6934200" cy="9220200"/>
@@ -169,17 +170,48 @@
       </a:defRPr>
     </a:lvl9pPr>
   </p:defaultTextStyle>
+  <p:extLst>
+    <p:ext uri="{EFAFB233-063F-42B5-8137-9DF3F51BA10A}">
+      <p15:sldGuideLst xmlns:p15="http://schemas.microsoft.com/office/powerpoint/2012/main">
+        <p15:guide id="1" orient="horz" pos="2159">
+          <p15:clr>
+            <a:srgbClr val="A4A3A4"/>
+          </p15:clr>
+        </p15:guide>
+        <p15:guide id="2" pos="2879">
+          <p15:clr>
+            <a:srgbClr val="A4A3A4"/>
+          </p15:clr>
+        </p15:guide>
+      </p15:sldGuideLst>
+    </p:ext>
+    <p:ext uri="{2D200454-40CA-4A62-9FC3-DE9A4176ACB9}">
+      <p15:notesGuideLst xmlns:p15="http://schemas.microsoft.com/office/powerpoint/2012/main">
+        <p15:guide id="1" orient="horz" pos="2903">
+          <p15:clr>
+            <a:srgbClr val="A4A3A4"/>
+          </p15:clr>
+        </p15:guide>
+        <p15:guide id="2" pos="2183">
+          <p15:clr>
+            <a:srgbClr val="A4A3A4"/>
+          </p15:clr>
+        </p15:guide>
+      </p15:notesGuideLst>
+    </p:ext>
+  </p:extLst>
 </p:presentation>
 </file>
 
 <file path=ppt/handoutMasters/handoutMaster1.xml><?xml version="1.0" encoding="utf-8"?>
-<p:handoutMaster xmlns:r="http://schemas.openxmlformats.org/officeDocument/2006/relationships" xmlns:c="http://schemas.openxmlformats.org/drawingml/2006/chart" xmlns:a="http://schemas.openxmlformats.org/drawingml/2006/main" xmlns:dgm="http://schemas.openxmlformats.org/drawingml/2006/diagram" xmlns:dsp="http://schemas.microsoft.com/office/drawing/2008/diagram" xmlns:p="http://schemas.openxmlformats.org/presentationml/2006/main">
+<p:handoutMaster xmlns:a="http://schemas.openxmlformats.org/drawingml/2006/main" xmlns:r="http://schemas.openxmlformats.org/officeDocument/2006/relationships" xmlns:p="http://schemas.openxmlformats.org/presentationml/2006/main">
   <p:cSld>
     <p:bg>
-      <p:bgPr shadeToTitle="0">
+      <p:bgPr>
         <a:solidFill>
           <a:schemeClr val="bg1"/>
         </a:solidFill>
+        <a:effectLst/>
       </p:bgPr>
     </p:bg>
     <p:spTree>
@@ -203,7 +235,7 @@
             <a:spLocks noGrp="1" noChangeArrowheads="1"/>
           </p:cNvSpPr>
           <p:nvPr>
-            <p:ph type="hdr" sz="quarter" idx="0"/>
+            <p:ph type="hdr" sz="quarter"/>
           </p:nvPr>
         </p:nvSpPr>
         <p:spPr>
@@ -237,10 +269,6 @@
             <a:pPr lvl="0">
               <a:defRPr lang="ko-KR" altLang="en-US"/>
             </a:pPr>
-            <a:r>
-              <a:rPr lang="ko-KR" altLang="ko-KR"/>
-              <a:t/>
-            </a:r>
             <a:endParaRPr lang="ko-KR" altLang="ko-KR"/>
           </a:p>
         </p:txBody>
@@ -286,10 +314,6 @@
             <a:pPr lvl="0">
               <a:defRPr lang="ko-KR" altLang="en-US"/>
             </a:pPr>
-            <a:r>
-              <a:rPr lang="ko-KR" altLang="ko-KR"/>
-              <a:t/>
-            </a:r>
             <a:endParaRPr lang="ko-KR" altLang="ko-KR"/>
           </a:p>
         </p:txBody>
@@ -335,10 +359,6 @@
             <a:pPr lvl="0">
               <a:defRPr lang="ko-KR" altLang="en-US"/>
             </a:pPr>
-            <a:r>
-              <a:rPr lang="ko-KR" altLang="ko-KR"/>
-              <a:t/>
-            </a:r>
             <a:endParaRPr lang="ko-KR" altLang="ko-KR"/>
           </a:p>
         </p:txBody>
@@ -402,13 +422,14 @@
 </file>
 
 <file path=ppt/notesMasters/notesMaster1.xml><?xml version="1.0" encoding="utf-8"?>
-<p:notesMaster xmlns:r="http://schemas.openxmlformats.org/officeDocument/2006/relationships" xmlns:c="http://schemas.openxmlformats.org/drawingml/2006/chart" xmlns:a="http://schemas.openxmlformats.org/drawingml/2006/main" xmlns:dgm="http://schemas.openxmlformats.org/drawingml/2006/diagram" xmlns:dsp="http://schemas.microsoft.com/office/drawing/2008/diagram" xmlns:p="http://schemas.openxmlformats.org/presentationml/2006/main">
+<p:notesMaster xmlns:a="http://schemas.openxmlformats.org/drawingml/2006/main" xmlns:r="http://schemas.openxmlformats.org/officeDocument/2006/relationships" xmlns:p="http://schemas.openxmlformats.org/presentationml/2006/main">
   <p:cSld>
     <p:bg>
-      <p:bgPr shadeToTitle="0">
+      <p:bgPr>
         <a:solidFill>
           <a:schemeClr val="bg1"/>
         </a:solidFill>
+        <a:effectLst/>
       </p:bgPr>
     </p:bg>
     <p:spTree>
@@ -432,7 +453,7 @@
             <a:spLocks noGrp="1" noChangeArrowheads="1"/>
           </p:cNvSpPr>
           <p:nvPr>
-            <p:ph type="hdr" sz="quarter" idx="0"/>
+            <p:ph type="hdr" sz="quarter"/>
           </p:nvPr>
         </p:nvSpPr>
         <p:spPr>
@@ -466,10 +487,6 @@
             <a:pPr lvl="0">
               <a:defRPr lang="ko-KR" altLang="en-US"/>
             </a:pPr>
-            <a:r>
-              <a:rPr lang="ko-KR" altLang="ko-KR"/>
-              <a:t/>
-            </a:r>
             <a:endParaRPr lang="ko-KR" altLang="ko-KR"/>
           </a:p>
         </p:txBody>
@@ -515,10 +532,6 @@
             <a:pPr lvl="0">
               <a:defRPr lang="ko-KR" altLang="en-US"/>
             </a:pPr>
-            <a:r>
-              <a:rPr lang="ko-KR" altLang="ko-KR"/>
-              <a:t/>
-            </a:r>
             <a:endParaRPr lang="ko-KR" altLang="ko-KR"/>
           </a:p>
         </p:txBody>
@@ -590,7 +603,6 @@
               <a:rPr lang="en-US" altLang="ko-KR"/>
               <a:t>마스터 텍스트 스타일을 편집합니다</a:t>
             </a:r>
-            <a:endParaRPr lang="en-US" altLang="ko-KR"/>
           </a:p>
           <a:p>
             <a:pPr lvl="1">
@@ -600,7 +612,6 @@
               <a:rPr lang="en-US" altLang="ko-KR"/>
               <a:t>둘째 수준</a:t>
             </a:r>
-            <a:endParaRPr lang="en-US" altLang="ko-KR"/>
           </a:p>
           <a:p>
             <a:pPr lvl="2">
@@ -610,7 +621,6 @@
               <a:rPr lang="en-US" altLang="ko-KR"/>
               <a:t>셋째 수준</a:t>
             </a:r>
-            <a:endParaRPr lang="en-US" altLang="ko-KR"/>
           </a:p>
           <a:p>
             <a:pPr lvl="3">
@@ -620,7 +630,6 @@
               <a:rPr lang="en-US" altLang="ko-KR"/>
               <a:t>넷째 수준</a:t>
             </a:r>
-            <a:endParaRPr lang="en-US" altLang="ko-KR"/>
           </a:p>
           <a:p>
             <a:pPr lvl="4">
@@ -630,7 +639,6 @@
               <a:rPr lang="en-US" altLang="ko-KR"/>
               <a:t>다섯째 수준</a:t>
             </a:r>
-            <a:endParaRPr lang="en-US" altLang="ko-KR"/>
           </a:p>
         </p:txBody>
       </p:sp>
@@ -675,10 +683,6 @@
             <a:pPr lvl="0">
               <a:defRPr lang="ko-KR" altLang="en-US"/>
             </a:pPr>
-            <a:r>
-              <a:rPr lang="ko-KR" altLang="ko-KR"/>
-              <a:t/>
-            </a:r>
             <a:endParaRPr lang="ko-KR" altLang="ko-KR"/>
           </a:p>
         </p:txBody>
@@ -865,7 +869,7 @@
 </file>
 
 <file path=ppt/notesSlides/notesSlide1.xml><?xml version="1.0" encoding="utf-8"?>
-<p:notes xmlns:r="http://schemas.openxmlformats.org/officeDocument/2006/relationships" xmlns:c="http://schemas.openxmlformats.org/drawingml/2006/chart" xmlns:a="http://schemas.openxmlformats.org/drawingml/2006/main" xmlns:dgm="http://schemas.openxmlformats.org/drawingml/2006/diagram" xmlns:dsp="http://schemas.microsoft.com/office/drawing/2008/diagram" xmlns:p="http://schemas.openxmlformats.org/presentationml/2006/main">
+<p:notes xmlns:a="http://schemas.openxmlformats.org/drawingml/2006/main" xmlns:r="http://schemas.openxmlformats.org/officeDocument/2006/relationships" xmlns:p="http://schemas.openxmlformats.org/presentationml/2006/main">
   <p:cSld>
     <p:spTree>
       <p:nvGrpSpPr>
@@ -888,7 +892,7 @@
             <a:spLocks noGrp="1" noRot="1" noChangeAspect="1" noTextEdit="1"/>
           </p:cNvSpPr>
           <p:nvPr>
-            <p:ph type="sldImg" idx="0"/>
+            <p:ph type="sldImg"/>
           </p:nvPr>
         </p:nvSpPr>
         <p:spPr>
@@ -916,10 +920,6 @@
             <a:pPr lvl="0">
               <a:defRPr lang="ko-KR" altLang="en-US"/>
             </a:pPr>
-            <a:r>
-              <a:rPr lang="en-US" altLang="en-US"/>
-              <a:t/>
-            </a:r>
             <a:endParaRPr lang="en-US" altLang="en-US"/>
           </a:p>
         </p:txBody>
@@ -955,6 +955,9 @@
       </p:sp>
     </p:spTree>
   </p:cSld>
+  <p:clrMapOvr>
+    <a:masterClrMapping/>
+  </p:clrMapOvr>
 </p:notes>
 </file>
 
@@ -2364,7 +2367,7 @@
 </file>
 
 <file path=ppt/slides/slide1.xml><?xml version="1.0" encoding="utf-8"?>
-<p:sld xmlns:r="http://schemas.openxmlformats.org/officeDocument/2006/relationships" xmlns:c="http://schemas.openxmlformats.org/drawingml/2006/chart" xmlns:a="http://schemas.openxmlformats.org/drawingml/2006/main" xmlns:dgm="http://schemas.openxmlformats.org/drawingml/2006/diagram" xmlns:dsp="http://schemas.microsoft.com/office/drawing/2008/diagram" xmlns:p="http://schemas.openxmlformats.org/presentationml/2006/main">
+<p:sld xmlns:a="http://schemas.openxmlformats.org/drawingml/2006/main" xmlns:r="http://schemas.openxmlformats.org/officeDocument/2006/relationships" xmlns:p="http://schemas.openxmlformats.org/presentationml/2006/main">
   <p:cSld>
     <p:spTree>
       <p:nvGrpSpPr>
@@ -2406,7 +2409,7 @@
               <a:defRPr lang="ko-KR" altLang="en-US"/>
             </a:pPr>
             <a:r>
-              <a:rPr xmlns:mc="http://schemas.openxmlformats.org/markup-compatibility/2006" xmlns:hp="http://schemas.haansoft.com/office/presentation/8.0" lang="en-US" altLang="ko-KR" sz="2800" b="1" mc:Ignorable="hp" hp:hslEmbossed="0">
+              <a:rPr lang="en-US" altLang="ko-KR" sz="2800" b="1">
                 <a:effectLst>
                   <a:outerShdw blurRad="38100" dist="38100" dir="2700000" algn="tl">
                     <a:srgbClr val="000000">
@@ -2418,7 +2421,7 @@
               </a:rPr>
               <a:t>jQuery Ajax</a:t>
             </a:r>
-            <a:endParaRPr xmlns:mc="http://schemas.openxmlformats.org/markup-compatibility/2006" xmlns:hp="http://schemas.haansoft.com/office/presentation/8.0" lang="ko-KR" altLang="en-US" sz="2800" b="1" mc:Ignorable="hp" hp:hslEmbossed="0">
+            <a:endParaRPr lang="ko-KR" altLang="en-US" sz="2800" b="1" dirty="0">
               <a:effectLst>
                 <a:outerShdw blurRad="38100" dist="38100" dir="2700000" algn="tl">
                   <a:srgbClr val="000000">
@@ -2436,11 +2439,11 @@
   <p:clrMapOvr>
     <a:masterClrMapping/>
   </p:clrMapOvr>
-  <mc:AlternateContent xmlns:mc="http://schemas.openxmlformats.org/markup-compatibility/2006">
-    <mc:Choice xmlns:p14="http://schemas.microsoft.com/office/powerpoint/2010/main" Requires="p14">
-      <p:transition xmlns:mc="http://schemas.openxmlformats.org/markup-compatibility/2006" xmlns:p14="http://schemas.microsoft.com/office/powerpoint/2010/main" mc:Ignorable="p14" p14:dur="750"/>
+  <mc:AlternateContent xmlns:mc="http://schemas.openxmlformats.org/markup-compatibility/2006" xmlns:p14="http://schemas.microsoft.com/office/powerpoint/2010/main">
+    <mc:Choice Requires="p14">
+      <p:transition spd="med"/>
     </mc:Choice>
-    <mc:Fallback>
+    <mc:Fallback xmlns:dsp="http://schemas.microsoft.com/office/drawing/2008/diagram" xmlns:dgm="http://schemas.openxmlformats.org/drawingml/2006/diagram" xmlns:c="http://schemas.openxmlformats.org/drawingml/2006/chart" xmlns="">
       <p:transition/>
     </mc:Fallback>
   </mc:AlternateContent>
@@ -2455,6 +2458,500 @@
 </file>
 
 <file path=ppt/slides/slide10.xml><?xml version="1.0" encoding="utf-8"?>
+<p:sld xmlns:a="http://schemas.openxmlformats.org/drawingml/2006/main" xmlns:r="http://schemas.openxmlformats.org/officeDocument/2006/relationships" xmlns:p="http://schemas.openxmlformats.org/presentationml/2006/main">
+  <p:cSld>
+    <p:spTree>
+      <p:nvGrpSpPr>
+        <p:cNvPr id="1" name=""/>
+        <p:cNvGrpSpPr/>
+        <p:nvPr/>
+      </p:nvGrpSpPr>
+      <p:grpSpPr>
+        <a:xfrm>
+          <a:off x="0" y="0"/>
+          <a:ext cx="0" cy="0"/>
+          <a:chOff x="0" y="0"/>
+          <a:chExt cx="0" cy="0"/>
+        </a:xfrm>
+      </p:grpSpPr>
+      <p:sp>
+        <p:nvSpPr>
+          <p:cNvPr id="3" name="내용 개체 틀 2"/>
+          <p:cNvSpPr>
+            <a:spLocks noGrp="1"/>
+          </p:cNvSpPr>
+          <p:nvPr>
+            <p:ph idx="1"/>
+          </p:nvPr>
+        </p:nvSpPr>
+        <p:spPr>
+          <a:xfrm>
+            <a:off x="322729" y="1075765"/>
+            <a:ext cx="8575209" cy="5260489"/>
+          </a:xfrm>
+        </p:spPr>
+        <p:txBody>
+          <a:bodyPr/>
+          <a:lstStyle/>
+          <a:p>
+            <a:pPr marL="0" indent="0">
+              <a:buNone/>
+            </a:pPr>
+            <a:r>
+              <a:rPr lang="en-US" altLang="ko-KR" sz="1800" dirty="0" err="1" smtClean="0"/>
+              <a:t>Json</a:t>
+            </a:r>
+            <a:r>
+              <a:rPr lang="en-US" altLang="ko-KR" sz="1800" dirty="0" smtClean="0"/>
+              <a:t> object</a:t>
+            </a:r>
+          </a:p>
+          <a:p>
+            <a:pPr marL="0" indent="0">
+              <a:buNone/>
+            </a:pPr>
+            <a:r>
+              <a:rPr lang="en-US" altLang="ko-KR" sz="1800" dirty="0" smtClean="0"/>
+              <a:t>{ “name” : “</a:t>
+            </a:r>
+            <a:r>
+              <a:rPr lang="ko-KR" altLang="en-US" sz="1800" dirty="0" smtClean="0"/>
+              <a:t>홍길동</a:t>
+            </a:r>
+            <a:r>
+              <a:rPr lang="en-US" altLang="ko-KR" sz="1800" dirty="0" smtClean="0"/>
+              <a:t>”,     “</a:t>
+            </a:r>
+            <a:r>
+              <a:rPr lang="en-US" altLang="ko-KR" sz="1800" dirty="0" err="1" smtClean="0"/>
+              <a:t>addr</a:t>
+            </a:r>
+            <a:r>
+              <a:rPr lang="en-US" altLang="ko-KR" sz="1800" dirty="0" smtClean="0"/>
+              <a:t>”   : “</a:t>
+            </a:r>
+            <a:r>
+              <a:rPr lang="ko-KR" altLang="en-US" sz="1800" dirty="0" smtClean="0"/>
+              <a:t>대전</a:t>
+            </a:r>
+            <a:r>
+              <a:rPr lang="en-US" altLang="ko-KR" sz="1800" dirty="0" smtClean="0"/>
+              <a:t>”,    “</a:t>
+            </a:r>
+            <a:r>
+              <a:rPr lang="en-US" altLang="ko-KR" sz="1800" dirty="0" err="1" smtClean="0"/>
+              <a:t>tel</a:t>
+            </a:r>
+            <a:r>
+              <a:rPr lang="en-US" altLang="ko-KR" sz="1800" dirty="0" smtClean="0"/>
+              <a:t>”     : “010-1234-5678”}</a:t>
+            </a:r>
+          </a:p>
+          <a:p>
+            <a:pPr marL="0" indent="0">
+              <a:buNone/>
+            </a:pPr>
+            <a:endParaRPr lang="en-US" altLang="ko-KR" sz="1800" dirty="0" smtClean="0"/>
+          </a:p>
+          <a:p>
+            <a:pPr marL="0" indent="0">
+              <a:buNone/>
+            </a:pPr>
+            <a:r>
+              <a:rPr lang="ko-KR" altLang="en-US" sz="1800" dirty="0" smtClean="0"/>
+              <a:t>배</a:t>
+            </a:r>
+            <a:r>
+              <a:rPr lang="ko-KR" altLang="en-US" sz="1800" dirty="0"/>
+              <a:t>열</a:t>
+            </a:r>
+            <a:endParaRPr lang="en-US" altLang="ko-KR" sz="1800" dirty="0" smtClean="0"/>
+          </a:p>
+          <a:p>
+            <a:pPr marL="0" indent="0">
+              <a:buNone/>
+            </a:pPr>
+            <a:r>
+              <a:rPr lang="en-US" altLang="ko-KR" sz="1800" dirty="0" smtClean="0"/>
+              <a:t>[“</a:t>
+            </a:r>
+            <a:r>
+              <a:rPr lang="ko-KR" altLang="en-US" sz="1800" dirty="0" smtClean="0"/>
+              <a:t>홍길동</a:t>
+            </a:r>
+            <a:r>
+              <a:rPr lang="en-US" altLang="ko-KR" sz="1800" dirty="0" smtClean="0"/>
+              <a:t>”, “</a:t>
+            </a:r>
+            <a:r>
+              <a:rPr lang="ko-KR" altLang="en-US" sz="1800" dirty="0" smtClean="0"/>
+              <a:t>개나리</a:t>
+            </a:r>
+            <a:r>
+              <a:rPr lang="en-US" altLang="ko-KR" sz="1800" dirty="0" smtClean="0"/>
+              <a:t>”,”</a:t>
+            </a:r>
+            <a:r>
+              <a:rPr lang="ko-KR" altLang="en-US" sz="1800" dirty="0" smtClean="0"/>
+              <a:t>진달래</a:t>
+            </a:r>
+            <a:r>
+              <a:rPr lang="en-US" altLang="ko-KR" sz="1800" dirty="0" smtClean="0"/>
+              <a:t>”, “</a:t>
+            </a:r>
+            <a:r>
+              <a:rPr lang="ko-KR" altLang="en-US" sz="1800" dirty="0" err="1" smtClean="0"/>
+              <a:t>이도령</a:t>
+            </a:r>
+            <a:r>
+              <a:rPr lang="en-US" altLang="ko-KR" sz="1800" dirty="0" smtClean="0"/>
+              <a:t>” ]</a:t>
+            </a:r>
+          </a:p>
+          <a:p>
+            <a:pPr marL="0" indent="0">
+              <a:buNone/>
+            </a:pPr>
+            <a:endParaRPr lang="en-US" altLang="ko-KR" sz="1800" dirty="0" smtClean="0"/>
+          </a:p>
+          <a:p>
+            <a:pPr marL="0" indent="0">
+              <a:buNone/>
+            </a:pPr>
+            <a:r>
+              <a:rPr lang="en-US" altLang="ko-KR" sz="1800" dirty="0" err="1" smtClean="0"/>
+              <a:t>Json</a:t>
+            </a:r>
+            <a:r>
+              <a:rPr lang="en-US" altLang="ko-KR" sz="1800" dirty="0" smtClean="0"/>
+              <a:t> object </a:t>
+            </a:r>
+            <a:r>
+              <a:rPr lang="ko-KR" altLang="en-US" sz="1800" dirty="0" smtClean="0"/>
+              <a:t>배열 </a:t>
+            </a:r>
+            <a:endParaRPr lang="en-US" altLang="ko-KR" sz="1800" dirty="0" smtClean="0"/>
+          </a:p>
+          <a:p>
+            <a:pPr marL="0" indent="0">
+              <a:buNone/>
+            </a:pPr>
+            <a:r>
+              <a:rPr lang="en-US" altLang="ko-KR" sz="1800" dirty="0" smtClean="0"/>
+              <a:t>[</a:t>
+            </a:r>
+          </a:p>
+          <a:p>
+            <a:pPr marL="0" indent="0">
+              <a:buNone/>
+            </a:pPr>
+            <a:r>
+              <a:rPr lang="en-US" altLang="ko-KR" sz="1800" dirty="0" smtClean="0"/>
+              <a:t>  { “</a:t>
+            </a:r>
+            <a:r>
+              <a:rPr lang="en-US" altLang="ko-KR" sz="1800" dirty="0"/>
+              <a:t>name” : </a:t>
+            </a:r>
+            <a:r>
+              <a:rPr lang="en-US" altLang="ko-KR" sz="1800" dirty="0" smtClean="0"/>
+              <a:t>“</a:t>
+            </a:r>
+            <a:r>
+              <a:rPr lang="en-US" altLang="ko-KR" sz="1800" dirty="0" err="1" smtClean="0"/>
+              <a:t>aaa</a:t>
+            </a:r>
+            <a:r>
+              <a:rPr lang="en-US" altLang="ko-KR" sz="1800" dirty="0" smtClean="0"/>
+              <a:t>”,      </a:t>
+            </a:r>
+            <a:r>
+              <a:rPr lang="en-US" altLang="ko-KR" sz="1800" dirty="0"/>
+              <a:t>“</a:t>
+            </a:r>
+            <a:r>
+              <a:rPr lang="en-US" altLang="ko-KR" sz="1800" dirty="0" err="1"/>
+              <a:t>addr</a:t>
+            </a:r>
+            <a:r>
+              <a:rPr lang="en-US" altLang="ko-KR" sz="1800" dirty="0" smtClean="0"/>
+              <a:t>”  </a:t>
+            </a:r>
+            <a:r>
+              <a:rPr lang="en-US" altLang="ko-KR" sz="1800" dirty="0"/>
+              <a:t>: “</a:t>
+            </a:r>
+            <a:r>
+              <a:rPr lang="ko-KR" altLang="en-US" sz="1800" dirty="0"/>
+              <a:t>대전</a:t>
+            </a:r>
+            <a:r>
+              <a:rPr lang="en-US" altLang="ko-KR" sz="1800" dirty="0"/>
+              <a:t>”,   </a:t>
+            </a:r>
+            <a:r>
+              <a:rPr lang="en-US" altLang="ko-KR" sz="1800" dirty="0" smtClean="0"/>
+              <a:t>    </a:t>
+            </a:r>
+            <a:r>
+              <a:rPr lang="en-US" altLang="ko-KR" sz="1800" dirty="0"/>
+              <a:t>“</a:t>
+            </a:r>
+            <a:r>
+              <a:rPr lang="en-US" altLang="ko-KR" sz="1800" dirty="0" err="1"/>
+              <a:t>tel</a:t>
+            </a:r>
+            <a:r>
+              <a:rPr lang="en-US" altLang="ko-KR" sz="1800" dirty="0"/>
+              <a:t>” </a:t>
+            </a:r>
+            <a:r>
+              <a:rPr lang="en-US" altLang="ko-KR" sz="1800" dirty="0" smtClean="0"/>
+              <a:t> </a:t>
+            </a:r>
+            <a:r>
+              <a:rPr lang="en-US" altLang="ko-KR" sz="1800" dirty="0"/>
+              <a:t>: “010-1234-5678</a:t>
+            </a:r>
+            <a:r>
+              <a:rPr lang="en-US" altLang="ko-KR" sz="1800" dirty="0" smtClean="0"/>
+              <a:t>”},</a:t>
+            </a:r>
+          </a:p>
+          <a:p>
+            <a:pPr marL="0" indent="0">
+              <a:buNone/>
+            </a:pPr>
+            <a:r>
+              <a:rPr lang="en-US" altLang="ko-KR" sz="1800" dirty="0"/>
+              <a:t> </a:t>
+            </a:r>
+            <a:r>
+              <a:rPr lang="en-US" altLang="ko-KR" sz="1800" dirty="0" smtClean="0"/>
+              <a:t> { “</a:t>
+            </a:r>
+            <a:r>
+              <a:rPr lang="en-US" altLang="ko-KR" sz="1800" dirty="0"/>
+              <a:t>name” : </a:t>
+            </a:r>
+            <a:r>
+              <a:rPr lang="en-US" altLang="ko-KR" sz="1800" dirty="0" smtClean="0"/>
+              <a:t>“</a:t>
+            </a:r>
+            <a:r>
+              <a:rPr lang="en-US" altLang="ko-KR" sz="1800" dirty="0" err="1" smtClean="0"/>
+              <a:t>bbb</a:t>
+            </a:r>
+            <a:r>
+              <a:rPr lang="en-US" altLang="ko-KR" sz="1800" dirty="0" smtClean="0"/>
+              <a:t>”,      </a:t>
+            </a:r>
+            <a:r>
+              <a:rPr lang="en-US" altLang="ko-KR" sz="1800" dirty="0"/>
+              <a:t>“</a:t>
+            </a:r>
+            <a:r>
+              <a:rPr lang="en-US" altLang="ko-KR" sz="1800" dirty="0" err="1"/>
+              <a:t>addr</a:t>
+            </a:r>
+            <a:r>
+              <a:rPr lang="en-US" altLang="ko-KR" sz="1800" dirty="0" smtClean="0"/>
+              <a:t>”  </a:t>
+            </a:r>
+            <a:r>
+              <a:rPr lang="en-US" altLang="ko-KR" sz="1800" dirty="0"/>
+              <a:t>: </a:t>
+            </a:r>
+            <a:r>
+              <a:rPr lang="en-US" altLang="ko-KR" sz="1800" dirty="0" smtClean="0"/>
+              <a:t>“</a:t>
+            </a:r>
+            <a:r>
+              <a:rPr lang="ko-KR" altLang="en-US" sz="1800" dirty="0" smtClean="0"/>
+              <a:t>서울</a:t>
+            </a:r>
+            <a:r>
+              <a:rPr lang="en-US" altLang="ko-KR" sz="1800" dirty="0" smtClean="0"/>
+              <a:t>”,      </a:t>
+            </a:r>
+            <a:r>
+              <a:rPr lang="en-US" altLang="ko-KR" sz="1800" dirty="0"/>
+              <a:t>“</a:t>
+            </a:r>
+            <a:r>
+              <a:rPr lang="en-US" altLang="ko-KR" sz="1800" dirty="0" err="1"/>
+              <a:t>tel</a:t>
+            </a:r>
+            <a:r>
+              <a:rPr lang="en-US" altLang="ko-KR" sz="1800" dirty="0"/>
+              <a:t>” </a:t>
+            </a:r>
+            <a:r>
+              <a:rPr lang="en-US" altLang="ko-KR" sz="1800" dirty="0" smtClean="0"/>
+              <a:t> </a:t>
+            </a:r>
+            <a:r>
+              <a:rPr lang="en-US" altLang="ko-KR" sz="1800" dirty="0"/>
+              <a:t>: “</a:t>
+            </a:r>
+            <a:r>
+              <a:rPr lang="en-US" altLang="ko-KR" sz="1800" dirty="0" smtClean="0"/>
+              <a:t>010-6789-3456”},</a:t>
+            </a:r>
+          </a:p>
+          <a:p>
+            <a:pPr marL="0" indent="0">
+              <a:buNone/>
+            </a:pPr>
+            <a:r>
+              <a:rPr lang="en-US" altLang="ko-KR" sz="1800" dirty="0"/>
+              <a:t> </a:t>
+            </a:r>
+            <a:r>
+              <a:rPr lang="en-US" altLang="ko-KR" sz="1800" dirty="0" smtClean="0"/>
+              <a:t> { “</a:t>
+            </a:r>
+            <a:r>
+              <a:rPr lang="en-US" altLang="ko-KR" sz="1800" dirty="0"/>
+              <a:t>name” : </a:t>
+            </a:r>
+            <a:r>
+              <a:rPr lang="en-US" altLang="ko-KR" sz="1800" dirty="0" smtClean="0"/>
+              <a:t>“</a:t>
+            </a:r>
+            <a:r>
+              <a:rPr lang="en-US" altLang="ko-KR" sz="1800" dirty="0" err="1" smtClean="0"/>
+              <a:t>kkk</a:t>
+            </a:r>
+            <a:r>
+              <a:rPr lang="en-US" altLang="ko-KR" sz="1800" dirty="0" smtClean="0"/>
+              <a:t>”,       </a:t>
+            </a:r>
+            <a:r>
+              <a:rPr lang="en-US" altLang="ko-KR" sz="1800" dirty="0"/>
+              <a:t>“</a:t>
+            </a:r>
+            <a:r>
+              <a:rPr lang="en-US" altLang="ko-KR" sz="1800" dirty="0" err="1" smtClean="0"/>
+              <a:t>addr</a:t>
+            </a:r>
+            <a:r>
+              <a:rPr lang="en-US" altLang="ko-KR" sz="1800" dirty="0" smtClean="0"/>
+              <a:t>”  </a:t>
+            </a:r>
+            <a:r>
+              <a:rPr lang="en-US" altLang="ko-KR" sz="1800" dirty="0"/>
+              <a:t>: </a:t>
+            </a:r>
+            <a:r>
+              <a:rPr lang="en-US" altLang="ko-KR" sz="1800" dirty="0" smtClean="0"/>
+              <a:t>“</a:t>
+            </a:r>
+            <a:r>
+              <a:rPr lang="ko-KR" altLang="en-US" sz="1800" dirty="0" smtClean="0"/>
+              <a:t>부산</a:t>
+            </a:r>
+            <a:r>
+              <a:rPr lang="en-US" altLang="ko-KR" sz="1800" dirty="0" smtClean="0"/>
+              <a:t>”,      </a:t>
+            </a:r>
+            <a:r>
+              <a:rPr lang="en-US" altLang="ko-KR" sz="1800" dirty="0"/>
+              <a:t>“</a:t>
+            </a:r>
+            <a:r>
+              <a:rPr lang="en-US" altLang="ko-KR" sz="1800" dirty="0" err="1"/>
+              <a:t>tel</a:t>
+            </a:r>
+            <a:r>
+              <a:rPr lang="en-US" altLang="ko-KR" sz="1800" dirty="0" smtClean="0"/>
+              <a:t>”  </a:t>
+            </a:r>
+            <a:r>
+              <a:rPr lang="en-US" altLang="ko-KR" sz="1800" dirty="0"/>
+              <a:t>: “</a:t>
+            </a:r>
+            <a:r>
+              <a:rPr lang="en-US" altLang="ko-KR" sz="1800" dirty="0" smtClean="0"/>
+              <a:t>010-8900-3421”}</a:t>
+            </a:r>
+          </a:p>
+          <a:p>
+            <a:pPr marL="0" indent="0">
+              <a:buNone/>
+            </a:pPr>
+            <a:r>
+              <a:rPr lang="en-US" altLang="ko-KR" sz="1800" dirty="0" smtClean="0"/>
+              <a:t>]</a:t>
+            </a:r>
+          </a:p>
+          <a:p>
+            <a:pPr marL="0" indent="0">
+              <a:buNone/>
+            </a:pPr>
+            <a:endParaRPr lang="ko-KR" altLang="en-US" sz="1800" dirty="0"/>
+          </a:p>
+        </p:txBody>
+      </p:sp>
+      <p:sp>
+        <p:nvSpPr>
+          <p:cNvPr id="4" name="제목 3"/>
+          <p:cNvSpPr>
+            <a:spLocks noGrp="1"/>
+          </p:cNvSpPr>
+          <p:nvPr>
+            <p:ph type="title"/>
+          </p:nvPr>
+        </p:nvSpPr>
+        <p:spPr/>
+        <p:txBody>
+          <a:bodyPr>
+            <a:normAutofit fontScale="90000"/>
+          </a:bodyPr>
+          <a:lstStyle/>
+          <a:p>
+            <a:r>
+              <a:rPr lang="en-US" altLang="ko-KR" dirty="0" err="1" smtClean="0"/>
+              <a:t>json</a:t>
+            </a:r>
+            <a:r>
+              <a:rPr lang="en-US" altLang="ko-KR" dirty="0" smtClean="0"/>
+              <a:t> </a:t>
+            </a:r>
+            <a:r>
+              <a:rPr lang="ko-KR" altLang="en-US" dirty="0" smtClean="0"/>
+              <a:t>형식</a:t>
+            </a:r>
+            <a:r>
+              <a:rPr lang="en-US" altLang="ko-KR" dirty="0" smtClean="0"/>
+              <a:t> </a:t>
+            </a:r>
+            <a:endParaRPr lang="ko-KR" altLang="en-US" dirty="0"/>
+          </a:p>
+        </p:txBody>
+      </p:sp>
+    </p:spTree>
+    <p:extLst>
+      <p:ext uri="{BB962C8B-B14F-4D97-AF65-F5344CB8AC3E}">
+        <p14:creationId xmlns:p14="http://schemas.microsoft.com/office/powerpoint/2010/main" val="4223673524"/>
+      </p:ext>
+    </p:extLst>
+  </p:cSld>
+  <p:clrMapOvr>
+    <a:masterClrMapping/>
+  </p:clrMapOvr>
+  <p:transition spd="med"/>
+  <p:timing>
+    <p:tnLst>
+      <p:par>
+        <p:cTn id="1" dur="indefinite" restart="never" nodeType="tmRoot"/>
+      </p:par>
+    </p:tnLst>
+  </p:timing>
+</p:sld>
+</file>
+
+<file path=ppt/slides/slide11.xml><?xml version="1.0" encoding="utf-8"?>
 <p:sld xmlns:a="http://schemas.openxmlformats.org/drawingml/2006/main" xmlns:r="http://schemas.openxmlformats.org/officeDocument/2006/relationships" xmlns:p="http://schemas.openxmlformats.org/presentationml/2006/main">
   <p:cSld>
     <p:spTree>
@@ -2693,7 +3190,7 @@
 </p:sld>
 </file>
 
-<file path=ppt/slides/slide11.xml><?xml version="1.0" encoding="utf-8"?>
+<file path=ppt/slides/slide12.xml><?xml version="1.0" encoding="utf-8"?>
 <p:sld xmlns:a="http://schemas.openxmlformats.org/drawingml/2006/main" xmlns:r="http://schemas.openxmlformats.org/officeDocument/2006/relationships" xmlns:p="http://schemas.openxmlformats.org/presentationml/2006/main">
   <p:cSld>
     <p:spTree>
@@ -3109,7 +3606,7 @@
 </p:sld>
 </file>
 
-<file path=ppt/slides/slide12.xml><?xml version="1.0" encoding="utf-8"?>
+<file path=ppt/slides/slide13.xml><?xml version="1.0" encoding="utf-8"?>
 <p:sld xmlns:a="http://schemas.openxmlformats.org/drawingml/2006/main" xmlns:r="http://schemas.openxmlformats.org/officeDocument/2006/relationships" xmlns:p="http://schemas.openxmlformats.org/presentationml/2006/main">
   <p:cSld>
     <p:spTree>
@@ -3742,7 +4239,7 @@
 </p:sld>
 </file>
 
-<file path=ppt/slides/slide13.xml><?xml version="1.0" encoding="utf-8"?>
+<file path=ppt/slides/slide14.xml><?xml version="1.0" encoding="utf-8"?>
 <p:sld xmlns:a="http://schemas.openxmlformats.org/drawingml/2006/main" xmlns:r="http://schemas.openxmlformats.org/officeDocument/2006/relationships" xmlns:p="http://schemas.openxmlformats.org/presentationml/2006/main">
   <p:cSld>
     <p:spTree>
@@ -3999,7 +4496,7 @@
 </p:sld>
 </file>
 
-<file path=ppt/slides/slide14.xml><?xml version="1.0" encoding="utf-8"?>
+<file path=ppt/slides/slide15.xml><?xml version="1.0" encoding="utf-8"?>
 <p:sld xmlns:a="http://schemas.openxmlformats.org/drawingml/2006/main" xmlns:r="http://schemas.openxmlformats.org/officeDocument/2006/relationships" xmlns:p="http://schemas.openxmlformats.org/presentationml/2006/main">
   <p:cSld>
     <p:spTree>
@@ -4381,7 +4878,7 @@
 </p:sld>
 </file>
 
-<file path=ppt/slides/slide15.xml><?xml version="1.0" encoding="utf-8"?>
+<file path=ppt/slides/slide16.xml><?xml version="1.0" encoding="utf-8"?>
 <p:sld xmlns:a="http://schemas.openxmlformats.org/drawingml/2006/main" xmlns:r="http://schemas.openxmlformats.org/officeDocument/2006/relationships" xmlns:p="http://schemas.openxmlformats.org/presentationml/2006/main">
   <p:cSld>
     <p:spTree>
@@ -4548,7 +5045,7 @@
 </p:sld>
 </file>
 
-<file path=ppt/slides/slide16.xml><?xml version="1.0" encoding="utf-8"?>
+<file path=ppt/slides/slide17.xml><?xml version="1.0" encoding="utf-8"?>
 <p:sld xmlns:a="http://schemas.openxmlformats.org/drawingml/2006/main" xmlns:r="http://schemas.openxmlformats.org/officeDocument/2006/relationships" xmlns:p="http://schemas.openxmlformats.org/presentationml/2006/main">
   <p:cSld>
     <p:spTree>
@@ -4669,7 +5166,7 @@
 </p:sld>
 </file>
 
-<file path=ppt/slides/slide17.xml><?xml version="1.0" encoding="utf-8"?>
+<file path=ppt/slides/slide18.xml><?xml version="1.0" encoding="utf-8"?>
 <p:sld xmlns:a="http://schemas.openxmlformats.org/drawingml/2006/main" xmlns:r="http://schemas.openxmlformats.org/officeDocument/2006/relationships" xmlns:p="http://schemas.openxmlformats.org/presentationml/2006/main">
   <p:cSld>
     <p:spTree>
@@ -5402,7 +5899,7 @@
 </p:sld>
 </file>
 
-<file path=ppt/slides/slide18.xml><?xml version="1.0" encoding="utf-8"?>
+<file path=ppt/slides/slide19.xml><?xml version="1.0" encoding="utf-8"?>
 <p:sld xmlns:a="http://schemas.openxmlformats.org/drawingml/2006/main" xmlns:r="http://schemas.openxmlformats.org/officeDocument/2006/relationships" xmlns:p="http://schemas.openxmlformats.org/presentationml/2006/main">
   <p:cSld>
     <p:spTree>
@@ -5842,91 +6339,6 @@
 </p:sld>
 </file>
 
-<file path=ppt/slides/slide19.xml><?xml version="1.0" encoding="utf-8"?>
-<p:sld xmlns:a="http://schemas.openxmlformats.org/drawingml/2006/main" xmlns:r="http://schemas.openxmlformats.org/officeDocument/2006/relationships" xmlns:p="http://schemas.openxmlformats.org/presentationml/2006/main">
-  <p:cSld>
-    <p:spTree>
-      <p:nvGrpSpPr>
-        <p:cNvPr id="1" name=""/>
-        <p:cNvGrpSpPr/>
-        <p:nvPr/>
-      </p:nvGrpSpPr>
-      <p:grpSpPr>
-        <a:xfrm>
-          <a:off x="0" y="0"/>
-          <a:ext cx="0" cy="0"/>
-          <a:chOff x="0" y="0"/>
-          <a:chExt cx="0" cy="0"/>
-        </a:xfrm>
-      </p:grpSpPr>
-      <p:sp>
-        <p:nvSpPr>
-          <p:cNvPr id="3" name="제목 2"/>
-          <p:cNvSpPr>
-            <a:spLocks noGrp="1"/>
-          </p:cNvSpPr>
-          <p:nvPr>
-            <p:ph type="title"/>
-          </p:nvPr>
-        </p:nvSpPr>
-        <p:spPr/>
-        <p:txBody>
-          <a:bodyPr>
-            <a:normAutofit fontScale="90000"/>
-          </a:bodyPr>
-          <a:lstStyle/>
-          <a:p>
-            <a:r>
-              <a:rPr lang="en-US" altLang="ko-KR" dirty="0" err="1" smtClean="0"/>
-              <a:t>MemberList</a:t>
-            </a:r>
-            <a:endParaRPr lang="ko-KR" altLang="en-US" dirty="0"/>
-          </a:p>
-        </p:txBody>
-      </p:sp>
-      <p:pic>
-        <p:nvPicPr>
-          <p:cNvPr id="1026" name="Picture 2"/>
-          <p:cNvPicPr>
-            <a:picLocks noGrp="1" noChangeAspect="1" noChangeArrowheads="1"/>
-          </p:cNvPicPr>
-          <p:nvPr>
-            <p:ph idx="1"/>
-          </p:nvPr>
-        </p:nvPicPr>
-        <p:blipFill>
-          <a:blip r:embed="rId2" cstate="print"/>
-          <a:srcRect/>
-          <a:stretch>
-            <a:fillRect/>
-          </a:stretch>
-        </p:blipFill>
-        <p:spPr bwMode="auto">
-          <a:xfrm>
-            <a:off x="1110343" y="925287"/>
-            <a:ext cx="6008914" cy="5715000"/>
-          </a:xfrm>
-          <a:prstGeom prst="rect">
-            <a:avLst/>
-          </a:prstGeom>
-          <a:noFill/>
-          <a:ln w="9525">
-            <a:noFill/>
-            <a:miter lim="800000"/>
-            <a:headEnd/>
-            <a:tailEnd/>
-          </a:ln>
-        </p:spPr>
-      </p:pic>
-    </p:spTree>
-  </p:cSld>
-  <p:clrMapOvr>
-    <a:masterClrMapping/>
-  </p:clrMapOvr>
-  <p:transition spd="med"/>
-</p:sld>
-</file>
-
 <file path=ppt/slides/slide2.xml><?xml version="1.0" encoding="utf-8"?>
 <p:sld xmlns:a="http://schemas.openxmlformats.org/drawingml/2006/main" xmlns:r="http://schemas.openxmlformats.org/officeDocument/2006/relationships" xmlns:p="http://schemas.openxmlformats.org/presentationml/2006/main">
   <p:cSld>
@@ -6115,6 +6527,91 @@
 </file>
 
 <file path=ppt/slides/slide20.xml><?xml version="1.0" encoding="utf-8"?>
+<p:sld xmlns:a="http://schemas.openxmlformats.org/drawingml/2006/main" xmlns:r="http://schemas.openxmlformats.org/officeDocument/2006/relationships" xmlns:p="http://schemas.openxmlformats.org/presentationml/2006/main">
+  <p:cSld>
+    <p:spTree>
+      <p:nvGrpSpPr>
+        <p:cNvPr id="1" name=""/>
+        <p:cNvGrpSpPr/>
+        <p:nvPr/>
+      </p:nvGrpSpPr>
+      <p:grpSpPr>
+        <a:xfrm>
+          <a:off x="0" y="0"/>
+          <a:ext cx="0" cy="0"/>
+          <a:chOff x="0" y="0"/>
+          <a:chExt cx="0" cy="0"/>
+        </a:xfrm>
+      </p:grpSpPr>
+      <p:sp>
+        <p:nvSpPr>
+          <p:cNvPr id="3" name="제목 2"/>
+          <p:cNvSpPr>
+            <a:spLocks noGrp="1"/>
+          </p:cNvSpPr>
+          <p:nvPr>
+            <p:ph type="title"/>
+          </p:nvPr>
+        </p:nvSpPr>
+        <p:spPr/>
+        <p:txBody>
+          <a:bodyPr>
+            <a:normAutofit fontScale="90000"/>
+          </a:bodyPr>
+          <a:lstStyle/>
+          <a:p>
+            <a:r>
+              <a:rPr lang="en-US" altLang="ko-KR" dirty="0" err="1" smtClean="0"/>
+              <a:t>MemberList</a:t>
+            </a:r>
+            <a:endParaRPr lang="ko-KR" altLang="en-US" dirty="0"/>
+          </a:p>
+        </p:txBody>
+      </p:sp>
+      <p:pic>
+        <p:nvPicPr>
+          <p:cNvPr id="1026" name="Picture 2"/>
+          <p:cNvPicPr>
+            <a:picLocks noGrp="1" noChangeAspect="1" noChangeArrowheads="1"/>
+          </p:cNvPicPr>
+          <p:nvPr>
+            <p:ph idx="1"/>
+          </p:nvPr>
+        </p:nvPicPr>
+        <p:blipFill>
+          <a:blip r:embed="rId2" cstate="print"/>
+          <a:srcRect/>
+          <a:stretch>
+            <a:fillRect/>
+          </a:stretch>
+        </p:blipFill>
+        <p:spPr bwMode="auto">
+          <a:xfrm>
+            <a:off x="1110343" y="925287"/>
+            <a:ext cx="6008914" cy="5715000"/>
+          </a:xfrm>
+          <a:prstGeom prst="rect">
+            <a:avLst/>
+          </a:prstGeom>
+          <a:noFill/>
+          <a:ln w="9525">
+            <a:noFill/>
+            <a:miter lim="800000"/>
+            <a:headEnd/>
+            <a:tailEnd/>
+          </a:ln>
+        </p:spPr>
+      </p:pic>
+    </p:spTree>
+  </p:cSld>
+  <p:clrMapOvr>
+    <a:masterClrMapping/>
+  </p:clrMapOvr>
+  <p:transition spd="med"/>
+</p:sld>
+</file>
+
+<file path=ppt/slides/slide21.xml><?xml version="1.0" encoding="utf-8"?>
 <p:sld xmlns:a="http://schemas.openxmlformats.org/drawingml/2006/main" xmlns:r="http://schemas.openxmlformats.org/officeDocument/2006/relationships" xmlns:p="http://schemas.openxmlformats.org/presentationml/2006/main">
   <p:cSld>
     <p:spTree>
@@ -6400,7 +6897,7 @@
 </p:sld>
 </file>
 
-<file path=ppt/slides/slide21.xml><?xml version="1.0" encoding="utf-8"?>
+<file path=ppt/slides/slide22.xml><?xml version="1.0" encoding="utf-8"?>
 <p:sld xmlns:a="http://schemas.openxmlformats.org/drawingml/2006/main" xmlns:r="http://schemas.openxmlformats.org/officeDocument/2006/relationships" xmlns:p="http://schemas.openxmlformats.org/presentationml/2006/main">
   <p:cSld>
     <p:spTree>
@@ -6651,7 +7148,7 @@
 </p:sld>
 </file>
 
-<file path=ppt/slides/slide22.xml><?xml version="1.0" encoding="utf-8"?>
+<file path=ppt/slides/slide23.xml><?xml version="1.0" encoding="utf-8"?>
 <p:sld xmlns:a="http://schemas.openxmlformats.org/drawingml/2006/main" xmlns:r="http://schemas.openxmlformats.org/officeDocument/2006/relationships" xmlns:p="http://schemas.openxmlformats.org/presentationml/2006/main">
   <p:cSld>
     <p:spTree>
@@ -6778,7 +7275,7 @@
 </p:sld>
 </file>
 
-<file path=ppt/slides/slide23.xml><?xml version="1.0" encoding="utf-8"?>
+<file path=ppt/slides/slide24.xml><?xml version="1.0" encoding="utf-8"?>
 <p:sld xmlns:a="http://schemas.openxmlformats.org/drawingml/2006/main" xmlns:r="http://schemas.openxmlformats.org/officeDocument/2006/relationships" xmlns:p="http://schemas.openxmlformats.org/presentationml/2006/main">
   <p:cSld>
     <p:spTree>
@@ -6884,7 +7381,7 @@
 </p:sld>
 </file>
 
-<file path=ppt/slides/slide24.xml><?xml version="1.0" encoding="utf-8"?>
+<file path=ppt/slides/slide25.xml><?xml version="1.0" encoding="utf-8"?>
 <p:sld xmlns:a="http://schemas.openxmlformats.org/drawingml/2006/main" xmlns:r="http://schemas.openxmlformats.org/officeDocument/2006/relationships" xmlns:p="http://schemas.openxmlformats.org/presentationml/2006/main">
   <p:cSld>
     <p:spTree>
@@ -7049,7 +7546,7 @@
 </p:sld>
 </file>
 
-<file path=ppt/slides/slide25.xml><?xml version="1.0" encoding="utf-8"?>
+<file path=ppt/slides/slide26.xml><?xml version="1.0" encoding="utf-8"?>
 <p:sld xmlns:a="http://schemas.openxmlformats.org/drawingml/2006/main" xmlns:r="http://schemas.openxmlformats.org/officeDocument/2006/relationships" xmlns:p="http://schemas.openxmlformats.org/presentationml/2006/main">
   <p:cSld>
     <p:spTree>
@@ -7213,7 +7710,7 @@
 </p:sld>
 </file>
 
-<file path=ppt/slides/slide26.xml><?xml version="1.0" encoding="utf-8"?>
+<file path=ppt/slides/slide27.xml><?xml version="1.0" encoding="utf-8"?>
 <p:sld xmlns:a="http://schemas.openxmlformats.org/drawingml/2006/main" xmlns:r="http://schemas.openxmlformats.org/officeDocument/2006/relationships" xmlns:p="http://schemas.openxmlformats.org/presentationml/2006/main">
   <p:cSld>
     <p:spTree>
@@ -7374,7 +7871,7 @@
 </p:sld>
 </file>
 
-<file path=ppt/slides/slide27.xml><?xml version="1.0" encoding="utf-8"?>
+<file path=ppt/slides/slide28.xml><?xml version="1.0" encoding="utf-8"?>
 <p:sld xmlns:a="http://schemas.openxmlformats.org/drawingml/2006/main" xmlns:r="http://schemas.openxmlformats.org/officeDocument/2006/relationships" xmlns:p="http://schemas.openxmlformats.org/presentationml/2006/main">
   <p:cSld>
     <p:spTree>
@@ -7725,266 +8222,6 @@
     <p:extLst>
       <p:ext uri="{BB962C8B-B14F-4D97-AF65-F5344CB8AC3E}">
         <p14:creationId xmlns:p14="http://schemas.microsoft.com/office/powerpoint/2010/main" val="2584413920"/>
-      </p:ext>
-    </p:extLst>
-  </p:cSld>
-  <p:clrMapOvr>
-    <a:masterClrMapping/>
-  </p:clrMapOvr>
-  <p:transition spd="med"/>
-  <p:timing>
-    <p:tnLst>
-      <p:par>
-        <p:cTn id="1" dur="indefinite" restart="never" nodeType="tmRoot"/>
-      </p:par>
-    </p:tnLst>
-  </p:timing>
-</p:sld>
-</file>
-
-<file path=ppt/slides/slide28.xml><?xml version="1.0" encoding="utf-8"?>
-<p:sld xmlns:a="http://schemas.openxmlformats.org/drawingml/2006/main" xmlns:r="http://schemas.openxmlformats.org/officeDocument/2006/relationships" xmlns:p="http://schemas.openxmlformats.org/presentationml/2006/main">
-  <p:cSld>
-    <p:spTree>
-      <p:nvGrpSpPr>
-        <p:cNvPr id="1" name=""/>
-        <p:cNvGrpSpPr/>
-        <p:nvPr/>
-      </p:nvGrpSpPr>
-      <p:grpSpPr>
-        <a:xfrm>
-          <a:off x="0" y="0"/>
-          <a:ext cx="0" cy="0"/>
-          <a:chOff x="0" y="0"/>
-          <a:chExt cx="0" cy="0"/>
-        </a:xfrm>
-      </p:grpSpPr>
-      <p:sp>
-        <p:nvSpPr>
-          <p:cNvPr id="2" name="제목 1"/>
-          <p:cNvSpPr>
-            <a:spLocks noGrp="1"/>
-          </p:cNvSpPr>
-          <p:nvPr>
-            <p:ph type="title"/>
-          </p:nvPr>
-        </p:nvSpPr>
-        <p:spPr>
-          <a:xfrm>
-            <a:off x="652201" y="198120"/>
-            <a:ext cx="7789862" cy="571500"/>
-          </a:xfrm>
-          <a:prstGeom prst="rect">
-            <a:avLst/>
-          </a:prstGeom>
-        </p:spPr>
-        <p:txBody>
-          <a:bodyPr>
-            <a:normAutofit fontScale="90000"/>
-          </a:bodyPr>
-          <a:lstStyle/>
-          <a:p>
-            <a:r>
-              <a:rPr lang="ko-KR" altLang="en-US" dirty="0" smtClean="0"/>
-              <a:t>회원가입 신청</a:t>
-            </a:r>
-            <a:endParaRPr lang="ko-KR" altLang="en-US" dirty="0"/>
-          </a:p>
-        </p:txBody>
-      </p:sp>
-      <p:sp>
-        <p:nvSpPr>
-          <p:cNvPr id="3" name="내용 개체 틀 2"/>
-          <p:cNvSpPr>
-            <a:spLocks noGrp="1"/>
-          </p:cNvSpPr>
-          <p:nvPr>
-            <p:ph idx="1"/>
-          </p:nvPr>
-        </p:nvSpPr>
-        <p:spPr>
-          <a:xfrm>
-            <a:off x="268941" y="1280159"/>
-            <a:ext cx="8628997" cy="5320665"/>
-          </a:xfrm>
-        </p:spPr>
-        <p:txBody>
-          <a:bodyPr/>
-          <a:lstStyle/>
-          <a:p>
-            <a:r>
-              <a:rPr lang="ko-KR" altLang="en-US" sz="1600" dirty="0" smtClean="0"/>
-              <a:t>가입 신청</a:t>
-            </a:r>
-            <a:endParaRPr lang="en-US" altLang="ko-KR" sz="1600" dirty="0" smtClean="0"/>
-          </a:p>
-          <a:p>
-            <a:pPr>
-              <a:buFont typeface="Wingdings" pitchFamily="2" charset="2"/>
-              <a:buChar char="§"/>
-            </a:pPr>
-            <a:r>
-              <a:rPr lang="en-US" altLang="ko-KR" sz="1800" dirty="0"/>
-              <a:t>&lt;script </a:t>
-            </a:r>
-            <a:r>
-              <a:rPr lang="en-US" altLang="ko-KR" sz="1800" dirty="0" smtClean="0"/>
-              <a:t>  </a:t>
-            </a:r>
-            <a:r>
-              <a:rPr lang="en-US" altLang="ko-KR" sz="1800" i="1" dirty="0" err="1" smtClean="0"/>
-              <a:t>src</a:t>
-            </a:r>
-            <a:r>
-              <a:rPr lang="en-US" altLang="ko-KR" sz="1800" i="1" dirty="0"/>
-              <a:t>="../</a:t>
-            </a:r>
-            <a:r>
-              <a:rPr lang="en-US" altLang="ko-KR" sz="1800" i="1" dirty="0" err="1"/>
-              <a:t>js</a:t>
-            </a:r>
-            <a:r>
-              <a:rPr lang="en-US" altLang="ko-KR" sz="1800" i="1" dirty="0"/>
-              <a:t>/jquery.serializejson.min.js"&gt;&lt;/script&gt;</a:t>
-            </a:r>
-            <a:r>
-              <a:rPr lang="ko-KR" altLang="en-US" sz="1800" i="1" dirty="0"/>
-              <a:t>추가 </a:t>
-            </a:r>
-            <a:endParaRPr lang="en-US" altLang="ko-KR" sz="1800" i="1" dirty="0" smtClean="0"/>
-          </a:p>
-          <a:p>
-            <a:pPr>
-              <a:buFont typeface="Wingdings" pitchFamily="2" charset="2"/>
-              <a:buChar char="§"/>
-            </a:pPr>
-            <a:endParaRPr lang="en-US" altLang="ko-KR" sz="1800" i="1" dirty="0" smtClean="0"/>
-          </a:p>
-          <a:p>
-            <a:pPr>
-              <a:buFont typeface="Wingdings" pitchFamily="2" charset="2"/>
-              <a:buChar char="§"/>
-            </a:pPr>
-            <a:r>
-              <a:rPr lang="en-US" altLang="ko-KR" sz="1800" dirty="0" smtClean="0"/>
-              <a:t>$("#</a:t>
-            </a:r>
-            <a:r>
-              <a:rPr lang="en-US" altLang="ko-KR" sz="1800" i="1" dirty="0"/>
-              <a:t> </a:t>
-            </a:r>
-            <a:r>
-              <a:rPr lang="en-US" altLang="ko-KR" sz="1800" i="1" dirty="0" err="1"/>
-              <a:t>memberform</a:t>
-            </a:r>
-            <a:r>
-              <a:rPr lang="en-US" altLang="ko-KR" sz="1800" i="1" dirty="0"/>
-              <a:t> </a:t>
-            </a:r>
-            <a:r>
-              <a:rPr lang="en-US" altLang="ko-KR" sz="1800" dirty="0" smtClean="0"/>
-              <a:t>"). </a:t>
-            </a:r>
-            <a:r>
-              <a:rPr lang="en-US" altLang="ko-KR" sz="1800" dirty="0"/>
-              <a:t>serialize() :  </a:t>
-            </a:r>
-            <a:r>
-              <a:rPr lang="ko-KR" altLang="en-US" sz="1600" dirty="0"/>
-              <a:t>모든 필드를 문자열 하나로 </a:t>
-            </a:r>
-            <a:r>
-              <a:rPr lang="ko-KR" altLang="en-US" sz="1600" dirty="0" smtClean="0"/>
-              <a:t>합침</a:t>
-            </a:r>
-            <a:endParaRPr lang="en-US" altLang="ko-KR" sz="1600" dirty="0" smtClean="0"/>
-          </a:p>
-          <a:p>
-            <a:pPr>
-              <a:buFont typeface="Wingdings" pitchFamily="2" charset="2"/>
-              <a:buChar char="§"/>
-            </a:pPr>
-            <a:r>
-              <a:rPr lang="en-US" altLang="ko-KR" sz="1600" dirty="0"/>
-              <a:t>$("#</a:t>
-            </a:r>
-            <a:r>
-              <a:rPr lang="en-US" altLang="ko-KR" sz="1600" i="1" dirty="0"/>
-              <a:t> </a:t>
-            </a:r>
-            <a:r>
-              <a:rPr lang="en-US" altLang="ko-KR" sz="1600" i="1" dirty="0" err="1"/>
-              <a:t>memberform</a:t>
-            </a:r>
-            <a:r>
-              <a:rPr lang="en-US" altLang="ko-KR" sz="1600" i="1" dirty="0"/>
-              <a:t> </a:t>
-            </a:r>
-            <a:r>
-              <a:rPr lang="en-US" altLang="ko-KR" sz="1600" dirty="0"/>
-              <a:t>"). </a:t>
-            </a:r>
-            <a:r>
-              <a:rPr lang="en-US" altLang="ko-KR" sz="1600" dirty="0" err="1" smtClean="0"/>
-              <a:t>SerializeArray</a:t>
-            </a:r>
-            <a:r>
-              <a:rPr lang="en-US" altLang="ko-KR" sz="1600" dirty="0" smtClean="0"/>
-              <a:t>() </a:t>
-            </a:r>
-            <a:r>
-              <a:rPr lang="en-US" altLang="ko-KR" sz="1600" dirty="0"/>
-              <a:t>:</a:t>
-            </a:r>
-          </a:p>
-          <a:p>
-            <a:pPr>
-              <a:buFont typeface="Wingdings" pitchFamily="2" charset="2"/>
-              <a:buChar char="§"/>
-            </a:pPr>
-            <a:r>
-              <a:rPr lang="en-US" altLang="ko-KR" sz="1800" dirty="0" smtClean="0"/>
-              <a:t>$("#</a:t>
-            </a:r>
-            <a:r>
-              <a:rPr lang="en-US" altLang="ko-KR" sz="1800" i="1" dirty="0" smtClean="0"/>
-              <a:t> </a:t>
-            </a:r>
-            <a:r>
-              <a:rPr lang="en-US" altLang="ko-KR" sz="1800" i="1" dirty="0" err="1"/>
-              <a:t>memberform</a:t>
-            </a:r>
-            <a:r>
-              <a:rPr lang="en-US" altLang="ko-KR" sz="1800" i="1" dirty="0"/>
-              <a:t> </a:t>
-            </a:r>
-            <a:r>
-              <a:rPr lang="en-US" altLang="ko-KR" sz="1800" dirty="0" smtClean="0"/>
-              <a:t>"). </a:t>
-            </a:r>
-            <a:r>
-              <a:rPr lang="en-US" altLang="ko-KR" sz="1800" dirty="0" err="1"/>
-              <a:t>serializeJSON</a:t>
-            </a:r>
-            <a:r>
-              <a:rPr lang="en-US" altLang="ko-KR" sz="1800" dirty="0"/>
-              <a:t>() </a:t>
-            </a:r>
-            <a:r>
-              <a:rPr lang="en-US" altLang="ko-KR" sz="1800" dirty="0" smtClean="0"/>
-              <a:t>:</a:t>
-            </a:r>
-            <a:endParaRPr lang="en-US" altLang="ko-KR" sz="1800" dirty="0"/>
-          </a:p>
-          <a:p>
-            <a:endParaRPr lang="ko-KR" altLang="en-US" dirty="0"/>
-          </a:p>
-        </p:txBody>
-      </p:sp>
-    </p:spTree>
-    <p:extLst>
-      <p:ext uri="{BB962C8B-B14F-4D97-AF65-F5344CB8AC3E}">
-        <p14:creationId xmlns:p14="http://schemas.microsoft.com/office/powerpoint/2010/main" val="2447363155"/>
       </p:ext>
     </p:extLst>
   </p:cSld>
@@ -8031,7 +8268,7 @@
         </p:nvSpPr>
         <p:spPr>
           <a:xfrm>
-            <a:off x="512396" y="122816"/>
+            <a:off x="652201" y="198120"/>
             <a:ext cx="7789862" cy="571500"/>
           </a:xfrm>
           <a:prstGeom prst="rect">
@@ -8046,7 +8283,7 @@
           <a:p>
             <a:r>
               <a:rPr lang="ko-KR" altLang="en-US" dirty="0" smtClean="0"/>
-              <a:t>우편번호검색</a:t>
+              <a:t>회원가입 신청</a:t>
             </a:r>
             <a:endParaRPr lang="ko-KR" altLang="en-US" dirty="0"/>
           </a:p>
@@ -8062,83 +8299,189 @@
             <p:ph idx="1"/>
           </p:nvPr>
         </p:nvSpPr>
-        <p:spPr/>
+        <p:spPr>
+          <a:xfrm>
+            <a:off x="268941" y="1280159"/>
+            <a:ext cx="8628997" cy="5320665"/>
+          </a:xfrm>
+        </p:spPr>
         <p:txBody>
           <a:bodyPr/>
           <a:lstStyle/>
           <a:p>
-            <a:endParaRPr lang="ko-KR" altLang="en-US"/>
+            <a:r>
+              <a:rPr lang="ko-KR" altLang="en-US" sz="1600" dirty="0" smtClean="0"/>
+              <a:t>가입 신청</a:t>
+            </a:r>
+            <a:endParaRPr lang="en-US" altLang="ko-KR" sz="1600" dirty="0" smtClean="0"/>
+          </a:p>
+          <a:p>
+            <a:pPr>
+              <a:buFont typeface="Wingdings" pitchFamily="2" charset="2"/>
+              <a:buChar char="§"/>
+            </a:pPr>
+            <a:r>
+              <a:rPr lang="en-US" altLang="ko-KR" sz="1800" dirty="0"/>
+              <a:t>&lt;script </a:t>
+            </a:r>
+            <a:r>
+              <a:rPr lang="en-US" altLang="ko-KR" sz="1800" dirty="0" smtClean="0"/>
+              <a:t>  </a:t>
+            </a:r>
+            <a:r>
+              <a:rPr lang="en-US" altLang="ko-KR" sz="1800" i="1" dirty="0" err="1" smtClean="0"/>
+              <a:t>src</a:t>
+            </a:r>
+            <a:r>
+              <a:rPr lang="en-US" altLang="ko-KR" sz="1800" i="1" dirty="0"/>
+              <a:t>="../</a:t>
+            </a:r>
+            <a:r>
+              <a:rPr lang="en-US" altLang="ko-KR" sz="1800" i="1" dirty="0" err="1"/>
+              <a:t>js</a:t>
+            </a:r>
+            <a:r>
+              <a:rPr lang="en-US" altLang="ko-KR" sz="1800" i="1" dirty="0"/>
+              <a:t>/jquery.serializejson.min.js"&gt;&lt;/script&gt;</a:t>
+            </a:r>
+            <a:r>
+              <a:rPr lang="ko-KR" altLang="en-US" sz="1800" i="1" dirty="0"/>
+              <a:t>추가 </a:t>
+            </a:r>
+            <a:endParaRPr lang="en-US" altLang="ko-KR" sz="1800" i="1" dirty="0" smtClean="0"/>
+          </a:p>
+          <a:p>
+            <a:pPr>
+              <a:buFont typeface="Wingdings" pitchFamily="2" charset="2"/>
+              <a:buChar char="§"/>
+            </a:pPr>
+            <a:endParaRPr lang="en-US" altLang="ko-KR" sz="1800" i="1" dirty="0" smtClean="0"/>
+          </a:p>
+          <a:p>
+            <a:pPr>
+              <a:buFont typeface="Wingdings" pitchFamily="2" charset="2"/>
+              <a:buChar char="§"/>
+            </a:pPr>
+            <a:r>
+              <a:rPr lang="en-US" altLang="ko-KR" sz="1800" dirty="0" smtClean="0"/>
+              <a:t>$("#</a:t>
+            </a:r>
+            <a:r>
+              <a:rPr lang="en-US" altLang="ko-KR" sz="1800" i="1" dirty="0"/>
+              <a:t> </a:t>
+            </a:r>
+            <a:r>
+              <a:rPr lang="en-US" altLang="ko-KR" sz="1800" i="1" dirty="0" err="1"/>
+              <a:t>memberform</a:t>
+            </a:r>
+            <a:r>
+              <a:rPr lang="en-US" altLang="ko-KR" sz="1800" i="1" dirty="0"/>
+              <a:t> </a:t>
+            </a:r>
+            <a:r>
+              <a:rPr lang="en-US" altLang="ko-KR" sz="1800" dirty="0" smtClean="0"/>
+              <a:t>"). </a:t>
+            </a:r>
+            <a:r>
+              <a:rPr lang="en-US" altLang="ko-KR" sz="1800" dirty="0"/>
+              <a:t>serialize() :  </a:t>
+            </a:r>
+            <a:r>
+              <a:rPr lang="ko-KR" altLang="en-US" sz="1600" dirty="0"/>
+              <a:t>모든 필드를 문자열 하나로 </a:t>
+            </a:r>
+            <a:r>
+              <a:rPr lang="ko-KR" altLang="en-US" sz="1600" dirty="0" smtClean="0"/>
+              <a:t>합침</a:t>
+            </a:r>
+            <a:endParaRPr lang="en-US" altLang="ko-KR" sz="1600" dirty="0" smtClean="0"/>
+          </a:p>
+          <a:p>
+            <a:pPr>
+              <a:buFont typeface="Wingdings" pitchFamily="2" charset="2"/>
+              <a:buChar char="§"/>
+            </a:pPr>
+            <a:r>
+              <a:rPr lang="en-US" altLang="ko-KR" sz="1600" dirty="0"/>
+              <a:t>$("#</a:t>
+            </a:r>
+            <a:r>
+              <a:rPr lang="en-US" altLang="ko-KR" sz="1600" i="1" dirty="0"/>
+              <a:t> </a:t>
+            </a:r>
+            <a:r>
+              <a:rPr lang="en-US" altLang="ko-KR" sz="1600" i="1" dirty="0" err="1"/>
+              <a:t>memberform</a:t>
+            </a:r>
+            <a:r>
+              <a:rPr lang="en-US" altLang="ko-KR" sz="1600" i="1" dirty="0"/>
+              <a:t> </a:t>
+            </a:r>
+            <a:r>
+              <a:rPr lang="en-US" altLang="ko-KR" sz="1600" dirty="0"/>
+              <a:t>"). </a:t>
+            </a:r>
+            <a:r>
+              <a:rPr lang="en-US" altLang="ko-KR" sz="1600" dirty="0" err="1" smtClean="0"/>
+              <a:t>SerializeArray</a:t>
+            </a:r>
+            <a:r>
+              <a:rPr lang="en-US" altLang="ko-KR" sz="1600" dirty="0" smtClean="0"/>
+              <a:t>() </a:t>
+            </a:r>
+            <a:r>
+              <a:rPr lang="en-US" altLang="ko-KR" sz="1600" dirty="0"/>
+              <a:t>:</a:t>
+            </a:r>
+          </a:p>
+          <a:p>
+            <a:pPr>
+              <a:buFont typeface="Wingdings" pitchFamily="2" charset="2"/>
+              <a:buChar char="§"/>
+            </a:pPr>
+            <a:r>
+              <a:rPr lang="en-US" altLang="ko-KR" sz="1800" dirty="0" smtClean="0"/>
+              <a:t>$("#</a:t>
+            </a:r>
+            <a:r>
+              <a:rPr lang="en-US" altLang="ko-KR" sz="1800" i="1" dirty="0" smtClean="0"/>
+              <a:t> </a:t>
+            </a:r>
+            <a:r>
+              <a:rPr lang="en-US" altLang="ko-KR" sz="1800" i="1" dirty="0" err="1"/>
+              <a:t>memberform</a:t>
+            </a:r>
+            <a:r>
+              <a:rPr lang="en-US" altLang="ko-KR" sz="1800" i="1" dirty="0"/>
+              <a:t> </a:t>
+            </a:r>
+            <a:r>
+              <a:rPr lang="en-US" altLang="ko-KR" sz="1800" dirty="0" smtClean="0"/>
+              <a:t>"). </a:t>
+            </a:r>
+            <a:r>
+              <a:rPr lang="en-US" altLang="ko-KR" sz="1800" dirty="0" err="1"/>
+              <a:t>serializeJSON</a:t>
+            </a:r>
+            <a:r>
+              <a:rPr lang="en-US" altLang="ko-KR" sz="1800" dirty="0"/>
+              <a:t>() </a:t>
+            </a:r>
+            <a:r>
+              <a:rPr lang="en-US" altLang="ko-KR" sz="1800" dirty="0" smtClean="0"/>
+              <a:t>:</a:t>
+            </a:r>
+            <a:endParaRPr lang="en-US" altLang="ko-KR" sz="1800" dirty="0"/>
+          </a:p>
+          <a:p>
+            <a:endParaRPr lang="ko-KR" altLang="en-US" dirty="0"/>
           </a:p>
         </p:txBody>
       </p:sp>
-      <p:pic>
-        <p:nvPicPr>
-          <p:cNvPr id="2050" name="Picture 2"/>
-          <p:cNvPicPr>
-            <a:picLocks noChangeAspect="1" noChangeArrowheads="1"/>
-          </p:cNvPicPr>
-          <p:nvPr/>
-        </p:nvPicPr>
-        <p:blipFill>
-          <a:blip r:embed="rId2" cstate="print">
-            <a:extLst>
-              <a:ext uri="{28A0092B-C50C-407E-A947-70E740481C1C}">
-                <a14:useLocalDpi xmlns:a14="http://schemas.microsoft.com/office/drawing/2010/main" val="0"/>
-              </a:ext>
-            </a:extLst>
-          </a:blip>
-          <a:srcRect/>
-          <a:stretch>
-            <a:fillRect/>
-          </a:stretch>
-        </p:blipFill>
-        <p:spPr bwMode="auto">
-          <a:xfrm>
-            <a:off x="773151" y="1957276"/>
-            <a:ext cx="7529107" cy="3184879"/>
-          </a:xfrm>
-          <a:prstGeom prst="rect">
-            <a:avLst/>
-          </a:prstGeom>
-          <a:noFill/>
-          <a:ln>
-            <a:noFill/>
-          </a:ln>
-          <a:effectLst/>
-          <a:extLst>
-            <a:ext uri="{909E8E84-426E-40DD-AFC4-6F175D3DCCD1}">
-              <a14:hiddenFill xmlns:a14="http://schemas.microsoft.com/office/drawing/2010/main">
-                <a:solidFill>
-                  <a:schemeClr val="accent1"/>
-                </a:solidFill>
-              </a14:hiddenFill>
-            </a:ext>
-            <a:ext uri="{91240B29-F687-4F45-9708-019B960494DF}">
-              <a14:hiddenLine xmlns:a14="http://schemas.microsoft.com/office/drawing/2010/main" w="9525">
-                <a:solidFill>
-                  <a:schemeClr val="tx1"/>
-                </a:solidFill>
-                <a:miter lim="800000"/>
-                <a:headEnd/>
-                <a:tailEnd/>
-              </a14:hiddenLine>
-            </a:ext>
-            <a:ext uri="{AF507438-7753-43E0-B8FC-AC1667EBCBE1}">
-              <a14:hiddenEffects xmlns:a14="http://schemas.microsoft.com/office/drawing/2010/main">
-                <a:effectLst>
-                  <a:outerShdw dist="35921" dir="2700000" algn="ctr" rotWithShape="0">
-                    <a:schemeClr val="bg2"/>
-                  </a:outerShdw>
-                </a:effectLst>
-              </a14:hiddenEffects>
-            </a:ext>
-          </a:extLst>
-        </p:spPr>
-      </p:pic>
     </p:spTree>
     <p:extLst>
       <p:ext uri="{BB962C8B-B14F-4D97-AF65-F5344CB8AC3E}">
-        <p14:creationId xmlns:p14="http://schemas.microsoft.com/office/powerpoint/2010/main" val="1166050899"/>
+        <p14:creationId xmlns:p14="http://schemas.microsoft.com/office/powerpoint/2010/main" val="2447363155"/>
       </p:ext>
     </p:extLst>
   </p:cSld>
@@ -8278,6 +8621,160 @@
 </file>
 
 <file path=ppt/slides/slide30.xml><?xml version="1.0" encoding="utf-8"?>
+<p:sld xmlns:a="http://schemas.openxmlformats.org/drawingml/2006/main" xmlns:r="http://schemas.openxmlformats.org/officeDocument/2006/relationships" xmlns:p="http://schemas.openxmlformats.org/presentationml/2006/main">
+  <p:cSld>
+    <p:spTree>
+      <p:nvGrpSpPr>
+        <p:cNvPr id="1" name=""/>
+        <p:cNvGrpSpPr/>
+        <p:nvPr/>
+      </p:nvGrpSpPr>
+      <p:grpSpPr>
+        <a:xfrm>
+          <a:off x="0" y="0"/>
+          <a:ext cx="0" cy="0"/>
+          <a:chOff x="0" y="0"/>
+          <a:chExt cx="0" cy="0"/>
+        </a:xfrm>
+      </p:grpSpPr>
+      <p:sp>
+        <p:nvSpPr>
+          <p:cNvPr id="2" name="제목 1"/>
+          <p:cNvSpPr>
+            <a:spLocks noGrp="1"/>
+          </p:cNvSpPr>
+          <p:nvPr>
+            <p:ph type="title"/>
+          </p:nvPr>
+        </p:nvSpPr>
+        <p:spPr>
+          <a:xfrm>
+            <a:off x="512396" y="122816"/>
+            <a:ext cx="7789862" cy="571500"/>
+          </a:xfrm>
+          <a:prstGeom prst="rect">
+            <a:avLst/>
+          </a:prstGeom>
+        </p:spPr>
+        <p:txBody>
+          <a:bodyPr>
+            <a:normAutofit fontScale="90000"/>
+          </a:bodyPr>
+          <a:lstStyle/>
+          <a:p>
+            <a:r>
+              <a:rPr lang="ko-KR" altLang="en-US" dirty="0" smtClean="0"/>
+              <a:t>우편번호검색</a:t>
+            </a:r>
+            <a:endParaRPr lang="ko-KR" altLang="en-US" dirty="0"/>
+          </a:p>
+        </p:txBody>
+      </p:sp>
+      <p:sp>
+        <p:nvSpPr>
+          <p:cNvPr id="3" name="내용 개체 틀 2"/>
+          <p:cNvSpPr>
+            <a:spLocks noGrp="1"/>
+          </p:cNvSpPr>
+          <p:nvPr>
+            <p:ph idx="1"/>
+          </p:nvPr>
+        </p:nvSpPr>
+        <p:spPr/>
+        <p:txBody>
+          <a:bodyPr/>
+          <a:lstStyle/>
+          <a:p>
+            <a:endParaRPr lang="ko-KR" altLang="en-US"/>
+          </a:p>
+        </p:txBody>
+      </p:sp>
+      <p:pic>
+        <p:nvPicPr>
+          <p:cNvPr id="2050" name="Picture 2"/>
+          <p:cNvPicPr>
+            <a:picLocks noChangeAspect="1" noChangeArrowheads="1"/>
+          </p:cNvPicPr>
+          <p:nvPr/>
+        </p:nvPicPr>
+        <p:blipFill>
+          <a:blip r:embed="rId2" cstate="print">
+            <a:extLst>
+              <a:ext uri="{28A0092B-C50C-407E-A947-70E740481C1C}">
+                <a14:useLocalDpi xmlns:a14="http://schemas.microsoft.com/office/drawing/2010/main" val="0"/>
+              </a:ext>
+            </a:extLst>
+          </a:blip>
+          <a:srcRect/>
+          <a:stretch>
+            <a:fillRect/>
+          </a:stretch>
+        </p:blipFill>
+        <p:spPr bwMode="auto">
+          <a:xfrm>
+            <a:off x="773151" y="1957276"/>
+            <a:ext cx="7529107" cy="3184879"/>
+          </a:xfrm>
+          <a:prstGeom prst="rect">
+            <a:avLst/>
+          </a:prstGeom>
+          <a:noFill/>
+          <a:ln>
+            <a:noFill/>
+          </a:ln>
+          <a:effectLst/>
+          <a:extLst>
+            <a:ext uri="{909E8E84-426E-40DD-AFC4-6F175D3DCCD1}">
+              <a14:hiddenFill xmlns:a14="http://schemas.microsoft.com/office/drawing/2010/main">
+                <a:solidFill>
+                  <a:schemeClr val="accent1"/>
+                </a:solidFill>
+              </a14:hiddenFill>
+            </a:ext>
+            <a:ext uri="{91240B29-F687-4F45-9708-019B960494DF}">
+              <a14:hiddenLine xmlns:a14="http://schemas.microsoft.com/office/drawing/2010/main" w="9525">
+                <a:solidFill>
+                  <a:schemeClr val="tx1"/>
+                </a:solidFill>
+                <a:miter lim="800000"/>
+                <a:headEnd/>
+                <a:tailEnd/>
+              </a14:hiddenLine>
+            </a:ext>
+            <a:ext uri="{AF507438-7753-43E0-B8FC-AC1667EBCBE1}">
+              <a14:hiddenEffects xmlns:a14="http://schemas.microsoft.com/office/drawing/2010/main">
+                <a:effectLst>
+                  <a:outerShdw dist="35921" dir="2700000" algn="ctr" rotWithShape="0">
+                    <a:schemeClr val="bg2"/>
+                  </a:outerShdw>
+                </a:effectLst>
+              </a14:hiddenEffects>
+            </a:ext>
+          </a:extLst>
+        </p:spPr>
+      </p:pic>
+    </p:spTree>
+    <p:extLst>
+      <p:ext uri="{BB962C8B-B14F-4D97-AF65-F5344CB8AC3E}">
+        <p14:creationId xmlns:p14="http://schemas.microsoft.com/office/powerpoint/2010/main" val="1166050899"/>
+      </p:ext>
+    </p:extLst>
+  </p:cSld>
+  <p:clrMapOvr>
+    <a:masterClrMapping/>
+  </p:clrMapOvr>
+  <p:transition spd="med"/>
+  <p:timing>
+    <p:tnLst>
+      <p:par>
+        <p:cTn id="1" dur="indefinite" restart="never" nodeType="tmRoot"/>
+      </p:par>
+    </p:tnLst>
+  </p:timing>
+</p:sld>
+</file>
+
+<file path=ppt/slides/slide31.xml><?xml version="1.0" encoding="utf-8"?>
 <p:sld xmlns:a="http://schemas.openxmlformats.org/drawingml/2006/main" xmlns:r="http://schemas.openxmlformats.org/officeDocument/2006/relationships" xmlns:p="http://schemas.openxmlformats.org/presentationml/2006/main">
   <p:cSld>
     <p:spTree>
@@ -8446,7 +8943,7 @@
         </p:nvSpPr>
         <p:spPr>
           <a:xfrm>
-            <a:off x="236668" y="1280161"/>
+            <a:off x="236668" y="1074681"/>
             <a:ext cx="8661270" cy="5152912"/>
           </a:xfrm>
         </p:spPr>
@@ -8564,12 +9061,8 @@
               <a:t>get</a:t>
             </a:r>
             <a:r>
-              <a:rPr lang="ko-KR" altLang="en-US" dirty="0" err="1"/>
-              <a:t>일때는</a:t>
-            </a:r>
-            <a:r>
               <a:rPr lang="ko-KR" altLang="en-US" dirty="0"/>
-              <a:t> </a:t>
+              <a:t>일때는 </a:t>
             </a:r>
             <a:r>
               <a:rPr lang="en-US" altLang="ko-KR" dirty="0" err="1"/>
@@ -8580,7 +9073,7 @@
               <a:t>에 </a:t>
             </a:r>
             <a:r>
-              <a:rPr lang="ko-KR" altLang="en-US" dirty="0" err="1" smtClean="0"/>
+              <a:rPr lang="ko-KR" altLang="en-US" dirty="0" smtClean="0"/>
               <a:t>쿼리스트링으로</a:t>
             </a:r>
             <a:endParaRPr lang="en-US" altLang="ko-KR" dirty="0" smtClean="0"/>
@@ -8598,7 +9091,11 @@
             </a:pPr>
             <a:r>
               <a:rPr lang="ko-KR" altLang="en-US" sz="3200" b="1" dirty="0" smtClean="0"/>
-              <a:t> 요청</a:t>
+              <a:t> </a:t>
+            </a:r>
+            <a:r>
+              <a:rPr lang="ko-KR" altLang="en-US" sz="3200" b="1" dirty="0" smtClean="0"/>
+              <a:t>요청 </a:t>
             </a:r>
             <a:r>
               <a:rPr lang="en-US" altLang="ko-KR" sz="3200" b="1" dirty="0" smtClean="0"/>
@@ -8709,15 +9206,51 @@
             </a:pPr>
             <a:r>
               <a:rPr lang="en-US" altLang="ko-KR" dirty="0"/>
-              <a:t>  </a:t>
-            </a:r>
-            <a:r>
-              <a:rPr lang="en-US" altLang="ko-KR" dirty="0" err="1"/>
-              <a:t>xhttp.send</a:t>
+              <a:t>  xhttp.send(data</a:t>
+            </a:r>
+            <a:r>
+              <a:rPr lang="en-US" altLang="ko-KR" dirty="0" smtClean="0"/>
+              <a:t>);</a:t>
+            </a:r>
+          </a:p>
+          <a:p>
+            <a:pPr marL="0" indent="0">
+              <a:buNone/>
+            </a:pPr>
+            <a:endParaRPr lang="en-US" altLang="ko-KR" dirty="0"/>
+          </a:p>
+          <a:p>
+            <a:r>
+              <a:rPr lang="en-US" altLang="ko-KR" dirty="0" smtClean="0"/>
+              <a:t> </a:t>
+            </a:r>
+            <a:r>
+              <a:rPr lang="ko-KR" altLang="en-US" dirty="0" smtClean="0"/>
+              <a:t>다른 요청 </a:t>
+            </a:r>
+            <a:r>
+              <a:rPr lang="en-US" altLang="ko-KR" dirty="0" smtClean="0"/>
+              <a:t>Put(</a:t>
+            </a:r>
+            <a:r>
+              <a:rPr lang="ko-KR" altLang="en-US" dirty="0" err="1" smtClean="0"/>
+              <a:t>데이터수정</a:t>
             </a:r>
             <a:r>
               <a:rPr lang="en-US" altLang="ko-KR" dirty="0"/>
-              <a:t>(data);</a:t>
+              <a:t>), Patch(</a:t>
+            </a:r>
+            <a:r>
+              <a:rPr lang="ko-KR" altLang="en-US" dirty="0" err="1"/>
+              <a:t>데이터수정</a:t>
+            </a:r>
+            <a:r>
+              <a:rPr lang="en-US" altLang="ko-KR" dirty="0"/>
+              <a:t>), </a:t>
+            </a:r>
+            <a:r>
+              <a:rPr lang="en-US" altLang="ko-KR" dirty="0" smtClean="0"/>
+              <a:t>Delete </a:t>
             </a:r>
             <a:endParaRPr lang="en-US" altLang="ko-KR" dirty="0" smtClean="0"/>
           </a:p>
@@ -8748,7 +9281,7 @@
               <a:t>JavaScript</a:t>
             </a:r>
             <a:r>
-              <a:rPr lang="ko-KR" altLang="en-US" dirty="0" err="1" smtClean="0"/>
+              <a:rPr lang="ko-KR" altLang="en-US" dirty="0" smtClean="0"/>
               <a:t>비동기통신</a:t>
             </a:r>
             <a:r>
@@ -8815,11 +9348,45 @@
             <p:ph idx="1"/>
           </p:nvPr>
         </p:nvSpPr>
-        <p:spPr/>
+        <p:spPr>
+          <a:xfrm>
+            <a:off x="236668" y="1074681"/>
+            <a:ext cx="8661270" cy="5152912"/>
+          </a:xfrm>
+        </p:spPr>
         <p:txBody>
           <a:bodyPr/>
           <a:lstStyle/>
           <a:p>
+            <a:pPr>
+              <a:buNone/>
+            </a:pPr>
+            <a:r>
+              <a:rPr lang="en-US" altLang="ko-KR" b="1" dirty="0" err="1"/>
+              <a:t>var</a:t>
+            </a:r>
+            <a:r>
+              <a:rPr lang="en-US" altLang="ko-KR" b="1" dirty="0"/>
+              <a:t> </a:t>
+            </a:r>
+            <a:r>
+              <a:rPr lang="en-US" altLang="ko-KR" b="1" dirty="0" err="1"/>
+              <a:t>xhttp</a:t>
+            </a:r>
+            <a:r>
+              <a:rPr lang="en-US" altLang="ko-KR" b="1" dirty="0"/>
+              <a:t> = new </a:t>
+            </a:r>
+            <a:r>
+              <a:rPr lang="en-US" altLang="ko-KR" b="1" dirty="0" err="1"/>
+              <a:t>XMLHttpRequest</a:t>
+            </a:r>
+            <a:r>
+              <a:rPr lang="en-US" altLang="ko-KR" b="1" dirty="0"/>
+              <a:t>();</a:t>
+            </a:r>
+          </a:p>
+          <a:p>
             <a:pPr marL="0" indent="0">
               <a:buNone/>
             </a:pPr>
@@ -8831,8 +9398,76 @@
               <a:buChar char="v"/>
             </a:pPr>
             <a:r>
-              <a:rPr lang="ko-KR" altLang="en-US" sz="2800" b="1" dirty="0" smtClean="0"/>
-              <a:t> 응답</a:t>
+              <a:rPr lang="ko-KR" altLang="en-US" sz="3200" b="1" dirty="0" smtClean="0"/>
+              <a:t> 요청 </a:t>
+            </a:r>
+            <a:r>
+              <a:rPr lang="en-US" altLang="ko-KR" sz="3200" b="1" dirty="0"/>
+              <a:t>p</a:t>
+            </a:r>
+            <a:r>
+              <a:rPr lang="en-US" altLang="ko-KR" sz="3200" b="1" dirty="0" smtClean="0"/>
+              <a:t>ut</a:t>
+            </a:r>
+            <a:r>
+              <a:rPr lang="en-US" altLang="ko-KR" sz="2800" b="1" dirty="0" smtClean="0"/>
+              <a:t>-</a:t>
+            </a:r>
+            <a:r>
+              <a:rPr lang="en-US" altLang="ko-KR" dirty="0" smtClean="0"/>
+              <a:t>----------------------------------------------</a:t>
+            </a:r>
+            <a:endParaRPr lang="en-US" altLang="ko-KR" dirty="0"/>
+          </a:p>
+          <a:p>
+            <a:pPr marL="0" indent="0">
+              <a:buNone/>
+            </a:pPr>
+            <a:r>
+              <a:rPr lang="ko-KR" altLang="en-US" dirty="0" smtClean="0"/>
+              <a:t>데이터 </a:t>
+            </a:r>
+            <a:r>
+              <a:rPr lang="en-US" altLang="ko-KR" dirty="0" smtClean="0"/>
+              <a:t>X</a:t>
+            </a:r>
+          </a:p>
+          <a:p>
+            <a:pPr marL="0" indent="0">
+              <a:buNone/>
+            </a:pPr>
+            <a:r>
+              <a:rPr lang="ko-KR" altLang="en-US" dirty="0" smtClean="0"/>
+              <a:t>수정만</a:t>
+            </a:r>
+            <a:endParaRPr lang="en-US" altLang="ko-KR" dirty="0" smtClean="0"/>
+          </a:p>
+          <a:p>
+            <a:pPr marL="0" indent="0">
+              <a:buNone/>
+            </a:pPr>
+            <a:endParaRPr lang="en-US" altLang="ko-KR" dirty="0" smtClean="0"/>
+          </a:p>
+          <a:p>
+            <a:pPr marL="0" indent="0">
+              <a:buFont typeface="Wingdings" pitchFamily="2" charset="2"/>
+              <a:buChar char="v"/>
+            </a:pPr>
+            <a:r>
+              <a:rPr lang="ko-KR" altLang="en-US" sz="3200" b="1" dirty="0" smtClean="0"/>
+              <a:t> </a:t>
+            </a:r>
+            <a:r>
+              <a:rPr lang="ko-KR" altLang="en-US" sz="3200" b="1" dirty="0" smtClean="0"/>
+              <a:t>요청 </a:t>
+            </a:r>
+            <a:r>
+              <a:rPr lang="en-US" altLang="ko-KR" sz="3200" b="1" dirty="0" smtClean="0"/>
+              <a:t>patch</a:t>
+            </a:r>
+            <a:r>
+              <a:rPr lang="en-US" altLang="ko-KR" dirty="0" smtClean="0"/>
+              <a:t>-</a:t>
             </a:r>
             <a:r>
               <a:rPr lang="en-US" altLang="ko-KR" dirty="0" smtClean="0"/>
@@ -8843,135 +9478,57 @@
             <a:pPr marL="0" indent="0">
               <a:buNone/>
             </a:pPr>
-            <a:endParaRPr lang="ko-KR" altLang="en-US" dirty="0"/>
+            <a:r>
+              <a:rPr lang="en-US" altLang="ko-KR" dirty="0" smtClean="0"/>
+              <a:t> </a:t>
+            </a:r>
+            <a:r>
+              <a:rPr lang="ko-KR" altLang="en-US" dirty="0" smtClean="0"/>
+              <a:t>데</a:t>
+            </a:r>
+            <a:r>
+              <a:rPr lang="ko-KR" altLang="en-US" dirty="0" smtClean="0"/>
+              <a:t>이터 </a:t>
+            </a:r>
+            <a:r>
+              <a:rPr lang="en-US" altLang="ko-KR" dirty="0" smtClean="0"/>
+              <a:t>O</a:t>
+            </a:r>
           </a:p>
           <a:p>
             <a:pPr marL="0" indent="0">
               <a:buNone/>
             </a:pPr>
             <a:r>
-              <a:rPr lang="en-US" altLang="ko-KR" dirty="0" err="1"/>
-              <a:t>xhttp.onreadystatechange</a:t>
-            </a:r>
-            <a:r>
-              <a:rPr lang="en-US" altLang="ko-KR" dirty="0"/>
-              <a:t> = </a:t>
-            </a:r>
-            <a:r>
-              <a:rPr lang="en-US" altLang="ko-KR" b="1" dirty="0"/>
-              <a:t>function() {</a:t>
-            </a:r>
+              <a:rPr lang="ko-KR" altLang="en-US" dirty="0" smtClean="0"/>
+              <a:t>기존 데이터의 일부 수정</a:t>
+            </a:r>
+            <a:endParaRPr lang="en-US" altLang="ko-KR" dirty="0" smtClean="0"/>
           </a:p>
           <a:p>
             <a:pPr marL="0" indent="0">
               <a:buNone/>
             </a:pPr>
-            <a:r>
-              <a:rPr lang="en-US" altLang="ko-KR" dirty="0"/>
-              <a:t>   </a:t>
-            </a:r>
-            <a:r>
-              <a:rPr lang="en-US" altLang="ko-KR" b="1" dirty="0"/>
-              <a:t>if (</a:t>
-            </a:r>
-            <a:r>
-              <a:rPr lang="en-US" altLang="ko-KR" b="1" dirty="0" err="1"/>
-              <a:t>this.readyState</a:t>
-            </a:r>
-            <a:r>
-              <a:rPr lang="en-US" altLang="ko-KR" b="1" dirty="0"/>
-              <a:t> == 4 &amp;&amp; </a:t>
-            </a:r>
-            <a:r>
-              <a:rPr lang="en-US" altLang="ko-KR" b="1" dirty="0" err="1"/>
-              <a:t>this.status</a:t>
-            </a:r>
-            <a:r>
-              <a:rPr lang="en-US" altLang="ko-KR" b="1" dirty="0"/>
-              <a:t> == 200) </a:t>
-            </a:r>
-            <a:r>
-              <a:rPr lang="en-US" altLang="ko-KR" b="1" dirty="0" smtClean="0"/>
-              <a:t>{</a:t>
-            </a:r>
-          </a:p>
-          <a:p>
-            <a:pPr marL="0" indent="0">
-              <a:buNone/>
-            </a:pPr>
-            <a:r>
-              <a:rPr lang="en-US" altLang="ko-KR" b="1" dirty="0"/>
+            <a:endParaRPr lang="en-US" altLang="ko-KR" dirty="0"/>
+          </a:p>
+          <a:p>
+            <a:r>
+              <a:rPr lang="en-US" altLang="ko-KR" dirty="0" smtClean="0"/>
               <a:t> </a:t>
             </a:r>
             <a:r>
-              <a:rPr lang="en-US" altLang="ko-KR" b="1" dirty="0" smtClean="0"/>
-              <a:t>               res =        </a:t>
-            </a:r>
-            <a:r>
-              <a:rPr lang="en-US" altLang="ko-KR" b="1" dirty="0" err="1" smtClean="0"/>
-              <a:t>this.responseText</a:t>
-            </a:r>
-            <a:r>
-              <a:rPr lang="en-US" altLang="ko-KR" b="1" dirty="0" smtClean="0"/>
-              <a:t>;</a:t>
-            </a:r>
-          </a:p>
-          <a:p>
-            <a:pPr marL="0" indent="0">
-              <a:buNone/>
-            </a:pPr>
-            <a:r>
-              <a:rPr lang="en-US" altLang="ko-KR" b="1" dirty="0"/>
-              <a:t> </a:t>
-            </a:r>
-            <a:r>
-              <a:rPr lang="en-US" altLang="ko-KR" b="1" dirty="0" smtClean="0"/>
-              <a:t>              </a:t>
-            </a:r>
-            <a:r>
-              <a:rPr lang="en-US" altLang="ko-KR" b="1" dirty="0" err="1" smtClean="0"/>
-              <a:t>resjson</a:t>
-            </a:r>
-            <a:r>
-              <a:rPr lang="en-US" altLang="ko-KR" b="1" dirty="0" smtClean="0"/>
-              <a:t> = </a:t>
-            </a:r>
-            <a:r>
-              <a:rPr lang="en-US" altLang="ko-KR" b="1" dirty="0" err="1" smtClean="0"/>
-              <a:t>JSON.parse</a:t>
-            </a:r>
-            <a:r>
-              <a:rPr lang="en-US" altLang="ko-KR" b="1" dirty="0" smtClean="0"/>
-              <a:t>(res)    ;  </a:t>
-            </a:r>
-            <a:endParaRPr lang="en-US" altLang="ko-KR" b="1" dirty="0"/>
-          </a:p>
-          <a:p>
-            <a:pPr marL="0" indent="0">
-              <a:buNone/>
-            </a:pPr>
-            <a:r>
-              <a:rPr lang="en-US" altLang="ko-KR" b="1" dirty="0"/>
-              <a:t>   </a:t>
-            </a:r>
-            <a:r>
-              <a:rPr lang="ko-KR" altLang="en-US" dirty="0"/>
-              <a:t>   </a:t>
-            </a:r>
-            <a:r>
-              <a:rPr lang="en-US" altLang="ko-KR" dirty="0"/>
-              <a:t>}</a:t>
-            </a:r>
-          </a:p>
-          <a:p>
-            <a:pPr marL="0" indent="0">
-              <a:buNone/>
-            </a:pPr>
-            <a:r>
-              <a:rPr lang="en-US" altLang="ko-KR" dirty="0"/>
-              <a:t>}</a:t>
-            </a:r>
-            <a:endParaRPr lang="ko-KR" altLang="en-US" dirty="0"/>
+              <a:rPr lang="ko-KR" altLang="en-US" dirty="0" smtClean="0"/>
+              <a:t>다른 </a:t>
+            </a:r>
+            <a:r>
+              <a:rPr lang="ko-KR" altLang="en-US" smtClean="0"/>
+              <a:t>요청 </a:t>
+            </a:r>
+            <a:r>
+              <a:rPr lang="en-US" altLang="ko-KR" smtClean="0"/>
+              <a:t>Delete </a:t>
+            </a:r>
+            <a:endParaRPr lang="en-US" altLang="ko-KR" dirty="0" smtClean="0"/>
           </a:p>
           <a:p>
             <a:endParaRPr lang="ko-KR" altLang="en-US" dirty="0"/>
@@ -9000,7 +9557,7 @@
               <a:t>JavaScript</a:t>
             </a:r>
             <a:r>
-              <a:rPr lang="ko-KR" altLang="en-US" dirty="0" err="1" smtClean="0"/>
+              <a:rPr lang="ko-KR" altLang="en-US" dirty="0" smtClean="0"/>
               <a:t>비동기통신</a:t>
             </a:r>
             <a:r>
@@ -9009,7 +9566,7 @@
             </a:r>
             <a:r>
               <a:rPr lang="ko-KR" altLang="en-US" dirty="0" smtClean="0"/>
-              <a:t>응답</a:t>
+              <a:t>요청</a:t>
             </a:r>
             <a:r>
               <a:rPr lang="en-US" altLang="ko-KR" dirty="0" smtClean="0"/>
@@ -9022,7 +9579,7 @@
     </p:spTree>
     <p:extLst>
       <p:ext uri="{BB962C8B-B14F-4D97-AF65-F5344CB8AC3E}">
-        <p14:creationId xmlns:p14="http://schemas.microsoft.com/office/powerpoint/2010/main" val="3165949580"/>
+        <p14:creationId xmlns:p14="http://schemas.microsoft.com/office/powerpoint/2010/main" val="2573323050"/>
       </p:ext>
     </p:extLst>
   </p:cSld>
@@ -9073,108 +9630,9 @@
           <a:lstStyle/>
           <a:p>
             <a:pPr marL="0" indent="0">
-              <a:buFont typeface="Wingdings" pitchFamily="2" charset="2"/>
-              <a:buChar char="v"/>
-            </a:pPr>
-            <a:r>
-              <a:rPr lang="en-US" altLang="ko-KR" sz="2800" dirty="0" smtClean="0"/>
-              <a:t> </a:t>
-            </a:r>
-            <a:r>
-              <a:rPr lang="en-US" altLang="ko-KR" sz="2800" dirty="0" err="1" smtClean="0"/>
-              <a:t>readyState</a:t>
-            </a:r>
-            <a:r>
-              <a:rPr lang="en-US" altLang="ko-KR" sz="2800" dirty="0" smtClean="0"/>
-              <a:t>-</a:t>
-            </a:r>
-            <a:r>
-              <a:rPr lang="en-US" altLang="ko-KR" dirty="0"/>
-              <a:t>----------------------</a:t>
-            </a:r>
-          </a:p>
-          <a:p>
-            <a:pPr marL="0" indent="0">
               <a:buNone/>
             </a:pPr>
-            <a:r>
-              <a:rPr lang="en-US" altLang="ko-KR" dirty="0"/>
-              <a:t>0 : open()</a:t>
-            </a:r>
-            <a:r>
-              <a:rPr lang="ko-KR" altLang="en-US" dirty="0" err="1"/>
-              <a:t>메서드</a:t>
-            </a:r>
-            <a:r>
-              <a:rPr lang="ko-KR" altLang="en-US" dirty="0"/>
-              <a:t> </a:t>
-            </a:r>
-            <a:r>
-              <a:rPr lang="ko-KR" altLang="en-US" dirty="0" err="1"/>
-              <a:t>수행전</a:t>
-            </a:r>
-            <a:endParaRPr lang="ko-KR" altLang="en-US" dirty="0"/>
-          </a:p>
-          <a:p>
-            <a:pPr marL="0" indent="0">
-              <a:buNone/>
-            </a:pPr>
-            <a:r>
-              <a:rPr lang="en-US" altLang="ko-KR" dirty="0"/>
-              <a:t>1 : </a:t>
-            </a:r>
-            <a:r>
-              <a:rPr lang="ko-KR" altLang="en-US" dirty="0" err="1"/>
-              <a:t>로딩중</a:t>
-            </a:r>
-            <a:endParaRPr lang="ko-KR" altLang="en-US" dirty="0"/>
-          </a:p>
-          <a:p>
-            <a:pPr marL="0" indent="0">
-              <a:buNone/>
-            </a:pPr>
-            <a:r>
-              <a:rPr lang="en-US" altLang="ko-KR" dirty="0"/>
-              <a:t>2 : </a:t>
-            </a:r>
-            <a:r>
-              <a:rPr lang="ko-KR" altLang="en-US" dirty="0"/>
-              <a:t>로딩완료</a:t>
-            </a:r>
-          </a:p>
-          <a:p>
-            <a:pPr marL="0" indent="0">
-              <a:buNone/>
-            </a:pPr>
-            <a:r>
-              <a:rPr lang="en-US" altLang="ko-KR" dirty="0"/>
-              <a:t>3 : </a:t>
-            </a:r>
-            <a:r>
-              <a:rPr lang="ko-KR" altLang="en-US" dirty="0" err="1"/>
-              <a:t>서버처리중</a:t>
-            </a:r>
-            <a:endParaRPr lang="ko-KR" altLang="en-US" dirty="0"/>
-          </a:p>
-          <a:p>
-            <a:pPr marL="0" indent="0">
-              <a:buNone/>
-            </a:pPr>
-            <a:r>
-              <a:rPr lang="en-US" altLang="ko-KR" dirty="0"/>
-              <a:t>4 : </a:t>
-            </a:r>
-            <a:r>
-              <a:rPr lang="ko-KR" altLang="en-US" dirty="0" err="1" smtClean="0"/>
-              <a:t>서버처리끝</a:t>
-            </a:r>
             <a:endParaRPr lang="en-US" altLang="ko-KR" dirty="0" smtClean="0"/>
-          </a:p>
-          <a:p>
-            <a:pPr marL="0" indent="0">
-              <a:buNone/>
-            </a:pPr>
-            <a:endParaRPr lang="ko-KR" altLang="en-US" dirty="0"/>
           </a:p>
           <a:p>
             <a:pPr marL="0" indent="0">
@@ -9182,6 +9640,353 @@
               <a:buChar char="v"/>
             </a:pPr>
             <a:r>
+              <a:rPr lang="ko-KR" altLang="en-US" sz="2800" b="1" dirty="0" smtClean="0"/>
+              <a:t> 응답</a:t>
+            </a:r>
+            <a:r>
+              <a:rPr lang="en-US" altLang="ko-KR" dirty="0" smtClean="0"/>
+              <a:t>-------------------------------------------------</a:t>
+            </a:r>
+          </a:p>
+          <a:p>
+            <a:pPr marL="0" indent="0">
+              <a:buNone/>
+            </a:pPr>
+            <a:endParaRPr lang="ko-KR" altLang="en-US" dirty="0"/>
+          </a:p>
+          <a:p>
+            <a:pPr marL="0" indent="0">
+              <a:buNone/>
+            </a:pPr>
+            <a:r>
+              <a:rPr lang="en-US" altLang="ko-KR" dirty="0" err="1"/>
+              <a:t>xhttp.onreadystatechange</a:t>
+            </a:r>
+            <a:r>
+              <a:rPr lang="en-US" altLang="ko-KR" dirty="0"/>
+              <a:t> = </a:t>
+            </a:r>
+            <a:r>
+              <a:rPr lang="en-US" altLang="ko-KR" b="1" dirty="0"/>
+              <a:t>function() {</a:t>
+            </a:r>
+          </a:p>
+          <a:p>
+            <a:pPr marL="0" indent="0">
+              <a:buNone/>
+            </a:pPr>
+            <a:r>
+              <a:rPr lang="en-US" altLang="ko-KR" dirty="0"/>
+              <a:t>   </a:t>
+            </a:r>
+            <a:r>
+              <a:rPr lang="en-US" altLang="ko-KR" b="1" dirty="0"/>
+              <a:t>if (</a:t>
+            </a:r>
+            <a:r>
+              <a:rPr lang="en-US" altLang="ko-KR" b="1" dirty="0" err="1"/>
+              <a:t>this.readyState</a:t>
+            </a:r>
+            <a:r>
+              <a:rPr lang="en-US" altLang="ko-KR" b="1" dirty="0"/>
+              <a:t> == 4 &amp;&amp; </a:t>
+            </a:r>
+            <a:r>
+              <a:rPr lang="en-US" altLang="ko-KR" b="1" dirty="0" err="1"/>
+              <a:t>this.status</a:t>
+            </a:r>
+            <a:r>
+              <a:rPr lang="en-US" altLang="ko-KR" b="1" dirty="0"/>
+              <a:t> == 200) </a:t>
+            </a:r>
+            <a:r>
+              <a:rPr lang="en-US" altLang="ko-KR" b="1" dirty="0" smtClean="0"/>
+              <a:t>{</a:t>
+            </a:r>
+          </a:p>
+          <a:p>
+            <a:pPr marL="0" indent="0">
+              <a:buNone/>
+            </a:pPr>
+            <a:r>
+              <a:rPr lang="en-US" altLang="ko-KR" b="1" dirty="0"/>
+              <a:t> </a:t>
+            </a:r>
+            <a:r>
+              <a:rPr lang="en-US" altLang="ko-KR" b="1" dirty="0" smtClean="0"/>
+              <a:t>               res =        </a:t>
+            </a:r>
+            <a:r>
+              <a:rPr lang="en-US" altLang="ko-KR" b="1" dirty="0" err="1" smtClean="0"/>
+              <a:t>this.responseText</a:t>
+            </a:r>
+            <a:r>
+              <a:rPr lang="en-US" altLang="ko-KR" b="1" dirty="0" smtClean="0"/>
+              <a:t>;</a:t>
+            </a:r>
+          </a:p>
+          <a:p>
+            <a:pPr marL="0" indent="0">
+              <a:buNone/>
+            </a:pPr>
+            <a:r>
+              <a:rPr lang="en-US" altLang="ko-KR" b="1" dirty="0"/>
+              <a:t> </a:t>
+            </a:r>
+            <a:r>
+              <a:rPr lang="en-US" altLang="ko-KR" b="1" dirty="0" smtClean="0"/>
+              <a:t>              </a:t>
+            </a:r>
+            <a:r>
+              <a:rPr lang="en-US" altLang="ko-KR" b="1" dirty="0" err="1" smtClean="0"/>
+              <a:t>resjson</a:t>
+            </a:r>
+            <a:r>
+              <a:rPr lang="en-US" altLang="ko-KR" b="1" dirty="0" smtClean="0"/>
+              <a:t> = </a:t>
+            </a:r>
+            <a:r>
+              <a:rPr lang="en-US" altLang="ko-KR" b="1" dirty="0" err="1" smtClean="0"/>
+              <a:t>JSON.parse</a:t>
+            </a:r>
+            <a:r>
+              <a:rPr lang="en-US" altLang="ko-KR" b="1" dirty="0" smtClean="0"/>
+              <a:t>(res)    ;  </a:t>
+            </a:r>
+            <a:endParaRPr lang="en-US" altLang="ko-KR" b="1" dirty="0"/>
+          </a:p>
+          <a:p>
+            <a:pPr marL="0" indent="0">
+              <a:buNone/>
+            </a:pPr>
+            <a:r>
+              <a:rPr lang="en-US" altLang="ko-KR" b="1" dirty="0"/>
+              <a:t>   </a:t>
+            </a:r>
+            <a:r>
+              <a:rPr lang="ko-KR" altLang="en-US" dirty="0"/>
+              <a:t>   </a:t>
+            </a:r>
+            <a:r>
+              <a:rPr lang="en-US" altLang="ko-KR" dirty="0"/>
+              <a:t>}</a:t>
+            </a:r>
+          </a:p>
+          <a:p>
+            <a:pPr marL="0" indent="0">
+              <a:buNone/>
+            </a:pPr>
+            <a:r>
+              <a:rPr lang="en-US" altLang="ko-KR" dirty="0"/>
+              <a:t>}</a:t>
+            </a:r>
+            <a:endParaRPr lang="ko-KR" altLang="en-US" dirty="0"/>
+          </a:p>
+          <a:p>
+            <a:endParaRPr lang="ko-KR" altLang="en-US" dirty="0"/>
+          </a:p>
+        </p:txBody>
+      </p:sp>
+      <p:sp>
+        <p:nvSpPr>
+          <p:cNvPr id="4" name="제목 3"/>
+          <p:cNvSpPr>
+            <a:spLocks noGrp="1"/>
+          </p:cNvSpPr>
+          <p:nvPr>
+            <p:ph type="title"/>
+          </p:nvPr>
+        </p:nvSpPr>
+        <p:spPr/>
+        <p:txBody>
+          <a:bodyPr>
+            <a:normAutofit fontScale="90000"/>
+          </a:bodyPr>
+          <a:lstStyle/>
+          <a:p>
+            <a:r>
+              <a:rPr lang="en-US" altLang="ko-KR" dirty="0" smtClean="0"/>
+              <a:t>JavaScript</a:t>
+            </a:r>
+            <a:r>
+              <a:rPr lang="ko-KR" altLang="en-US" dirty="0" smtClean="0"/>
+              <a:t>비동기통신</a:t>
+            </a:r>
+            <a:r>
+              <a:rPr lang="en-US" altLang="ko-KR" dirty="0" smtClean="0"/>
+              <a:t>(</a:t>
+            </a:r>
+            <a:r>
+              <a:rPr lang="ko-KR" altLang="en-US" dirty="0" smtClean="0"/>
+              <a:t>응답</a:t>
+            </a:r>
+            <a:r>
+              <a:rPr lang="en-US" altLang="ko-KR" dirty="0" smtClean="0"/>
+              <a:t>)</a:t>
+            </a:r>
+            <a:endParaRPr lang="ko-KR" altLang="en-US" dirty="0"/>
+          </a:p>
+        </p:txBody>
+      </p:sp>
+    </p:spTree>
+    <p:extLst>
+      <p:ext uri="{BB962C8B-B14F-4D97-AF65-F5344CB8AC3E}">
+        <p14:creationId xmlns:p14="http://schemas.microsoft.com/office/powerpoint/2010/main" val="3165949580"/>
+      </p:ext>
+    </p:extLst>
+  </p:cSld>
+  <p:clrMapOvr>
+    <a:masterClrMapping/>
+  </p:clrMapOvr>
+  <p:transition spd="med"/>
+  <p:timing>
+    <p:tnLst>
+      <p:par>
+        <p:cTn id="1" dur="indefinite" restart="never" nodeType="tmRoot"/>
+      </p:par>
+    </p:tnLst>
+  </p:timing>
+</p:sld>
+</file>
+
+<file path=ppt/slides/slide7.xml><?xml version="1.0" encoding="utf-8"?>
+<p:sld xmlns:a="http://schemas.openxmlformats.org/drawingml/2006/main" xmlns:r="http://schemas.openxmlformats.org/officeDocument/2006/relationships" xmlns:p="http://schemas.openxmlformats.org/presentationml/2006/main">
+  <p:cSld>
+    <p:spTree>
+      <p:nvGrpSpPr>
+        <p:cNvPr id="1" name=""/>
+        <p:cNvGrpSpPr/>
+        <p:nvPr/>
+      </p:nvGrpSpPr>
+      <p:grpSpPr>
+        <a:xfrm>
+          <a:off x="0" y="0"/>
+          <a:ext cx="0" cy="0"/>
+          <a:chOff x="0" y="0"/>
+          <a:chExt cx="0" cy="0"/>
+        </a:xfrm>
+      </p:grpSpPr>
+      <p:sp>
+        <p:nvSpPr>
+          <p:cNvPr id="3" name="내용 개체 틀 2"/>
+          <p:cNvSpPr>
+            <a:spLocks noGrp="1"/>
+          </p:cNvSpPr>
+          <p:nvPr>
+            <p:ph idx="1"/>
+          </p:nvPr>
+        </p:nvSpPr>
+        <p:spPr/>
+        <p:txBody>
+          <a:bodyPr/>
+          <a:lstStyle/>
+          <a:p>
+            <a:pPr marL="0" indent="0">
+              <a:buFont typeface="Wingdings" pitchFamily="2" charset="2"/>
+              <a:buChar char="v"/>
+            </a:pPr>
+            <a:r>
+              <a:rPr lang="en-US" altLang="ko-KR" sz="2800" dirty="0" smtClean="0"/>
+              <a:t> </a:t>
+            </a:r>
+            <a:r>
+              <a:rPr lang="en-US" altLang="ko-KR" sz="2800" dirty="0" err="1" smtClean="0"/>
+              <a:t>readyState</a:t>
+            </a:r>
+            <a:r>
+              <a:rPr lang="en-US" altLang="ko-KR" sz="2800" dirty="0" smtClean="0"/>
+              <a:t>-</a:t>
+            </a:r>
+            <a:r>
+              <a:rPr lang="en-US" altLang="ko-KR" dirty="0"/>
+              <a:t>----------------------</a:t>
+            </a:r>
+          </a:p>
+          <a:p>
+            <a:pPr marL="0" indent="0">
+              <a:buNone/>
+            </a:pPr>
+            <a:r>
+              <a:rPr lang="en-US" altLang="ko-KR" dirty="0"/>
+              <a:t>0 : open()</a:t>
+            </a:r>
+            <a:r>
+              <a:rPr lang="ko-KR" altLang="en-US" dirty="0"/>
+              <a:t>메서드 </a:t>
+            </a:r>
+            <a:r>
+              <a:rPr lang="ko-KR" altLang="en-US" dirty="0" err="1"/>
+              <a:t>수행전</a:t>
+            </a:r>
+            <a:endParaRPr lang="ko-KR" altLang="en-US" dirty="0"/>
+          </a:p>
+          <a:p>
+            <a:pPr marL="0" indent="0">
+              <a:buNone/>
+            </a:pPr>
+            <a:r>
+              <a:rPr lang="en-US" altLang="ko-KR" dirty="0"/>
+              <a:t>1 : </a:t>
+            </a:r>
+            <a:r>
+              <a:rPr lang="ko-KR" altLang="en-US" dirty="0" err="1"/>
+              <a:t>로딩중</a:t>
+            </a:r>
+            <a:endParaRPr lang="ko-KR" altLang="en-US" dirty="0"/>
+          </a:p>
+          <a:p>
+            <a:pPr marL="0" indent="0">
+              <a:buNone/>
+            </a:pPr>
+            <a:r>
+              <a:rPr lang="en-US" altLang="ko-KR" dirty="0"/>
+              <a:t>2 : </a:t>
+            </a:r>
+            <a:r>
+              <a:rPr lang="ko-KR" altLang="en-US" dirty="0"/>
+              <a:t>로딩완료</a:t>
+            </a:r>
+          </a:p>
+          <a:p>
+            <a:pPr marL="0" indent="0">
+              <a:buNone/>
+            </a:pPr>
+            <a:r>
+              <a:rPr lang="en-US" altLang="ko-KR" dirty="0"/>
+              <a:t>3 : </a:t>
+            </a:r>
+            <a:r>
+              <a:rPr lang="ko-KR" altLang="en-US" dirty="0" err="1"/>
+              <a:t>서버처리중</a:t>
+            </a:r>
+            <a:endParaRPr lang="ko-KR" altLang="en-US" dirty="0"/>
+          </a:p>
+          <a:p>
+            <a:pPr marL="0" indent="0">
+              <a:buNone/>
+            </a:pPr>
+            <a:r>
+              <a:rPr lang="en-US" altLang="ko-KR" dirty="0"/>
+              <a:t>4 : </a:t>
+            </a:r>
+            <a:r>
+              <a:rPr lang="ko-KR" altLang="en-US" dirty="0" err="1" smtClean="0"/>
+              <a:t>서버처리끝</a:t>
+            </a:r>
+            <a:endParaRPr lang="en-US" altLang="ko-KR" dirty="0" smtClean="0"/>
+          </a:p>
+          <a:p>
+            <a:pPr marL="0" indent="0">
+              <a:buNone/>
+            </a:pPr>
+            <a:endParaRPr lang="ko-KR" altLang="en-US" dirty="0"/>
+          </a:p>
+          <a:p>
+            <a:pPr marL="0" indent="0">
+              <a:buFont typeface="Wingdings" pitchFamily="2" charset="2"/>
+              <a:buChar char="v"/>
+            </a:pPr>
+            <a:r>
               <a:rPr lang="en-US" altLang="ko-KR" sz="2800" dirty="0" smtClean="0"/>
               <a:t> status</a:t>
             </a:r>
@@ -9272,7 +10077,7 @@
               <a:t>코드 오류</a:t>
             </a:r>
             <a:r>
-              <a:rPr lang="en-US" altLang="ko-KR" smtClean="0"/>
+              <a:rPr lang="en-US" altLang="ko-KR" dirty="0" smtClean="0"/>
               <a:t>)</a:t>
             </a:r>
             <a:endParaRPr lang="ko-KR" altLang="en-US" dirty="0"/>
@@ -9306,7 +10111,7 @@
               <a:t>JavaScript</a:t>
             </a:r>
             <a:r>
-              <a:rPr lang="ko-KR" altLang="en-US" dirty="0" err="1" smtClean="0"/>
+              <a:rPr lang="ko-KR" altLang="en-US" dirty="0" smtClean="0"/>
               <a:t>비동기통신</a:t>
             </a:r>
             <a:r>
@@ -9346,7 +10151,7 @@
 </p:sld>
 </file>
 
-<file path=ppt/slides/slide7.xml><?xml version="1.0" encoding="utf-8"?>
+<file path=ppt/slides/slide8.xml><?xml version="1.0" encoding="utf-8"?>
 <p:sld xmlns:a="http://schemas.openxmlformats.org/drawingml/2006/main" xmlns:r="http://schemas.openxmlformats.org/officeDocument/2006/relationships" xmlns:p="http://schemas.openxmlformats.org/presentationml/2006/main">
   <p:cSld>
     <p:spTree>
@@ -10079,7 +10884,7 @@
 </p:sld>
 </file>
 
-<file path=ppt/slides/slide8.xml><?xml version="1.0" encoding="utf-8"?>
+<file path=ppt/slides/slide9.xml><?xml version="1.0" encoding="utf-8"?>
 <p:sld xmlns:a="http://schemas.openxmlformats.org/drawingml/2006/main" xmlns:r="http://schemas.openxmlformats.org/officeDocument/2006/relationships" xmlns:p="http://schemas.openxmlformats.org/presentationml/2006/main">
   <p:cSld>
     <p:spTree>
@@ -10269,539 +11074,45 @@
 </p:sld>
 </file>
 
-<file path=ppt/slides/slide9.xml><?xml version="1.0" encoding="utf-8"?>
-<p:sld xmlns:a="http://schemas.openxmlformats.org/drawingml/2006/main" xmlns:r="http://schemas.openxmlformats.org/officeDocument/2006/relationships" xmlns:p="http://schemas.openxmlformats.org/presentationml/2006/main">
-  <p:cSld>
-    <p:spTree>
-      <p:nvGrpSpPr>
-        <p:cNvPr id="1" name=""/>
-        <p:cNvGrpSpPr/>
-        <p:nvPr/>
-      </p:nvGrpSpPr>
-      <p:grpSpPr>
-        <a:xfrm>
-          <a:off x="0" y="0"/>
-          <a:ext cx="0" cy="0"/>
-          <a:chOff x="0" y="0"/>
-          <a:chExt cx="0" cy="0"/>
-        </a:xfrm>
-      </p:grpSpPr>
-      <p:sp>
-        <p:nvSpPr>
-          <p:cNvPr id="3" name="내용 개체 틀 2"/>
-          <p:cNvSpPr>
-            <a:spLocks noGrp="1"/>
-          </p:cNvSpPr>
-          <p:nvPr>
-            <p:ph idx="1"/>
-          </p:nvPr>
-        </p:nvSpPr>
-        <p:spPr>
-          <a:xfrm>
-            <a:off x="322729" y="1075765"/>
-            <a:ext cx="8575209" cy="5260489"/>
-          </a:xfrm>
-        </p:spPr>
-        <p:txBody>
-          <a:bodyPr/>
-          <a:lstStyle/>
-          <a:p>
-            <a:pPr marL="0" indent="0">
-              <a:buNone/>
-            </a:pPr>
-            <a:r>
-              <a:rPr lang="en-US" altLang="ko-KR" sz="1800" dirty="0" err="1" smtClean="0"/>
-              <a:t>Json</a:t>
-            </a:r>
-            <a:r>
-              <a:rPr lang="en-US" altLang="ko-KR" sz="1800" dirty="0" smtClean="0"/>
-              <a:t> object</a:t>
-            </a:r>
-          </a:p>
-          <a:p>
-            <a:pPr marL="0" indent="0">
-              <a:buNone/>
-            </a:pPr>
-            <a:r>
-              <a:rPr lang="en-US" altLang="ko-KR" sz="1800" dirty="0" smtClean="0"/>
-              <a:t>{ “name” : “</a:t>
-            </a:r>
-            <a:r>
-              <a:rPr lang="ko-KR" altLang="en-US" sz="1800" dirty="0" smtClean="0"/>
-              <a:t>홍길동</a:t>
-            </a:r>
-            <a:r>
-              <a:rPr lang="en-US" altLang="ko-KR" sz="1800" dirty="0" smtClean="0"/>
-              <a:t>”,     “</a:t>
-            </a:r>
-            <a:r>
-              <a:rPr lang="en-US" altLang="ko-KR" sz="1800" dirty="0" err="1" smtClean="0"/>
-              <a:t>addr</a:t>
-            </a:r>
-            <a:r>
-              <a:rPr lang="en-US" altLang="ko-KR" sz="1800" dirty="0" smtClean="0"/>
-              <a:t>”   : “</a:t>
-            </a:r>
-            <a:r>
-              <a:rPr lang="ko-KR" altLang="en-US" sz="1800" dirty="0" smtClean="0"/>
-              <a:t>대전</a:t>
-            </a:r>
-            <a:r>
-              <a:rPr lang="en-US" altLang="ko-KR" sz="1800" dirty="0" smtClean="0"/>
-              <a:t>”,    “</a:t>
-            </a:r>
-            <a:r>
-              <a:rPr lang="en-US" altLang="ko-KR" sz="1800" dirty="0" err="1" smtClean="0"/>
-              <a:t>tel</a:t>
-            </a:r>
-            <a:r>
-              <a:rPr lang="en-US" altLang="ko-KR" sz="1800" dirty="0" smtClean="0"/>
-              <a:t>”     : “010-1234-5678”}</a:t>
-            </a:r>
-          </a:p>
-          <a:p>
-            <a:pPr marL="0" indent="0">
-              <a:buNone/>
-            </a:pPr>
-            <a:endParaRPr lang="en-US" altLang="ko-KR" sz="1800" dirty="0" smtClean="0"/>
-          </a:p>
-          <a:p>
-            <a:pPr marL="0" indent="0">
-              <a:buNone/>
-            </a:pPr>
-            <a:r>
-              <a:rPr lang="ko-KR" altLang="en-US" sz="1800" dirty="0" smtClean="0"/>
-              <a:t>배</a:t>
-            </a:r>
-            <a:r>
-              <a:rPr lang="ko-KR" altLang="en-US" sz="1800" dirty="0"/>
-              <a:t>열</a:t>
-            </a:r>
-            <a:endParaRPr lang="en-US" altLang="ko-KR" sz="1800" dirty="0" smtClean="0"/>
-          </a:p>
-          <a:p>
-            <a:pPr marL="0" indent="0">
-              <a:buNone/>
-            </a:pPr>
-            <a:r>
-              <a:rPr lang="en-US" altLang="ko-KR" sz="1800" dirty="0" smtClean="0"/>
-              <a:t>[“</a:t>
-            </a:r>
-            <a:r>
-              <a:rPr lang="ko-KR" altLang="en-US" sz="1800" dirty="0" smtClean="0"/>
-              <a:t>홍길동</a:t>
-            </a:r>
-            <a:r>
-              <a:rPr lang="en-US" altLang="ko-KR" sz="1800" dirty="0" smtClean="0"/>
-              <a:t>”, “</a:t>
-            </a:r>
-            <a:r>
-              <a:rPr lang="ko-KR" altLang="en-US" sz="1800" dirty="0" smtClean="0"/>
-              <a:t>개나리</a:t>
-            </a:r>
-            <a:r>
-              <a:rPr lang="en-US" altLang="ko-KR" sz="1800" dirty="0" smtClean="0"/>
-              <a:t>”,”</a:t>
-            </a:r>
-            <a:r>
-              <a:rPr lang="ko-KR" altLang="en-US" sz="1800" dirty="0" smtClean="0"/>
-              <a:t>진달래</a:t>
-            </a:r>
-            <a:r>
-              <a:rPr lang="en-US" altLang="ko-KR" sz="1800" dirty="0" smtClean="0"/>
-              <a:t>”, “</a:t>
-            </a:r>
-            <a:r>
-              <a:rPr lang="ko-KR" altLang="en-US" sz="1800" dirty="0" err="1" smtClean="0"/>
-              <a:t>이도령</a:t>
-            </a:r>
-            <a:r>
-              <a:rPr lang="en-US" altLang="ko-KR" sz="1800" dirty="0" smtClean="0"/>
-              <a:t>” ]</a:t>
-            </a:r>
-          </a:p>
-          <a:p>
-            <a:pPr marL="0" indent="0">
-              <a:buNone/>
-            </a:pPr>
-            <a:endParaRPr lang="en-US" altLang="ko-KR" sz="1800" dirty="0" smtClean="0"/>
-          </a:p>
-          <a:p>
-            <a:pPr marL="0" indent="0">
-              <a:buNone/>
-            </a:pPr>
-            <a:r>
-              <a:rPr lang="en-US" altLang="ko-KR" sz="1800" dirty="0" err="1" smtClean="0"/>
-              <a:t>Json</a:t>
-            </a:r>
-            <a:r>
-              <a:rPr lang="en-US" altLang="ko-KR" sz="1800" dirty="0" smtClean="0"/>
-              <a:t> object </a:t>
-            </a:r>
-            <a:r>
-              <a:rPr lang="ko-KR" altLang="en-US" sz="1800" dirty="0" smtClean="0"/>
-              <a:t>배열 </a:t>
-            </a:r>
-            <a:endParaRPr lang="en-US" altLang="ko-KR" sz="1800" dirty="0" smtClean="0"/>
-          </a:p>
-          <a:p>
-            <a:pPr marL="0" indent="0">
-              <a:buNone/>
-            </a:pPr>
-            <a:r>
-              <a:rPr lang="en-US" altLang="ko-KR" sz="1800" dirty="0" smtClean="0"/>
-              <a:t>[</a:t>
-            </a:r>
-          </a:p>
-          <a:p>
-            <a:pPr marL="0" indent="0">
-              <a:buNone/>
-            </a:pPr>
-            <a:r>
-              <a:rPr lang="en-US" altLang="ko-KR" sz="1800" dirty="0" smtClean="0"/>
-              <a:t>  { “</a:t>
-            </a:r>
-            <a:r>
-              <a:rPr lang="en-US" altLang="ko-KR" sz="1800" dirty="0"/>
-              <a:t>name” : </a:t>
-            </a:r>
-            <a:r>
-              <a:rPr lang="en-US" altLang="ko-KR" sz="1800" dirty="0" smtClean="0"/>
-              <a:t>“</a:t>
-            </a:r>
-            <a:r>
-              <a:rPr lang="en-US" altLang="ko-KR" sz="1800" dirty="0" err="1" smtClean="0"/>
-              <a:t>aaa</a:t>
-            </a:r>
-            <a:r>
-              <a:rPr lang="en-US" altLang="ko-KR" sz="1800" dirty="0" smtClean="0"/>
-              <a:t>”,      </a:t>
-            </a:r>
-            <a:r>
-              <a:rPr lang="en-US" altLang="ko-KR" sz="1800" dirty="0"/>
-              <a:t>“</a:t>
-            </a:r>
-            <a:r>
-              <a:rPr lang="en-US" altLang="ko-KR" sz="1800" dirty="0" err="1"/>
-              <a:t>addr</a:t>
-            </a:r>
-            <a:r>
-              <a:rPr lang="en-US" altLang="ko-KR" sz="1800" dirty="0" smtClean="0"/>
-              <a:t>”  </a:t>
-            </a:r>
-            <a:r>
-              <a:rPr lang="en-US" altLang="ko-KR" sz="1800" dirty="0"/>
-              <a:t>: “</a:t>
-            </a:r>
-            <a:r>
-              <a:rPr lang="ko-KR" altLang="en-US" sz="1800" dirty="0"/>
-              <a:t>대전</a:t>
-            </a:r>
-            <a:r>
-              <a:rPr lang="en-US" altLang="ko-KR" sz="1800" dirty="0"/>
-              <a:t>”,   </a:t>
-            </a:r>
-            <a:r>
-              <a:rPr lang="en-US" altLang="ko-KR" sz="1800" dirty="0" smtClean="0"/>
-              <a:t>    </a:t>
-            </a:r>
-            <a:r>
-              <a:rPr lang="en-US" altLang="ko-KR" sz="1800" dirty="0"/>
-              <a:t>“</a:t>
-            </a:r>
-            <a:r>
-              <a:rPr lang="en-US" altLang="ko-KR" sz="1800" dirty="0" err="1"/>
-              <a:t>tel</a:t>
-            </a:r>
-            <a:r>
-              <a:rPr lang="en-US" altLang="ko-KR" sz="1800" dirty="0"/>
-              <a:t>” </a:t>
-            </a:r>
-            <a:r>
-              <a:rPr lang="en-US" altLang="ko-KR" sz="1800" dirty="0" smtClean="0"/>
-              <a:t> </a:t>
-            </a:r>
-            <a:r>
-              <a:rPr lang="en-US" altLang="ko-KR" sz="1800" dirty="0"/>
-              <a:t>: “010-1234-5678</a:t>
-            </a:r>
-            <a:r>
-              <a:rPr lang="en-US" altLang="ko-KR" sz="1800" dirty="0" smtClean="0"/>
-              <a:t>”},</a:t>
-            </a:r>
-          </a:p>
-          <a:p>
-            <a:pPr marL="0" indent="0">
-              <a:buNone/>
-            </a:pPr>
-            <a:r>
-              <a:rPr lang="en-US" altLang="ko-KR" sz="1800" dirty="0"/>
-              <a:t> </a:t>
-            </a:r>
-            <a:r>
-              <a:rPr lang="en-US" altLang="ko-KR" sz="1800" dirty="0" smtClean="0"/>
-              <a:t> { “</a:t>
-            </a:r>
-            <a:r>
-              <a:rPr lang="en-US" altLang="ko-KR" sz="1800" dirty="0"/>
-              <a:t>name” : </a:t>
-            </a:r>
-            <a:r>
-              <a:rPr lang="en-US" altLang="ko-KR" sz="1800" dirty="0" smtClean="0"/>
-              <a:t>“</a:t>
-            </a:r>
-            <a:r>
-              <a:rPr lang="en-US" altLang="ko-KR" sz="1800" dirty="0" err="1" smtClean="0"/>
-              <a:t>bbb</a:t>
-            </a:r>
-            <a:r>
-              <a:rPr lang="en-US" altLang="ko-KR" sz="1800" dirty="0" smtClean="0"/>
-              <a:t>”,      </a:t>
-            </a:r>
-            <a:r>
-              <a:rPr lang="en-US" altLang="ko-KR" sz="1800" dirty="0"/>
-              <a:t>“</a:t>
-            </a:r>
-            <a:r>
-              <a:rPr lang="en-US" altLang="ko-KR" sz="1800" dirty="0" err="1"/>
-              <a:t>addr</a:t>
-            </a:r>
-            <a:r>
-              <a:rPr lang="en-US" altLang="ko-KR" sz="1800" dirty="0" smtClean="0"/>
-              <a:t>”  </a:t>
-            </a:r>
-            <a:r>
-              <a:rPr lang="en-US" altLang="ko-KR" sz="1800" dirty="0"/>
-              <a:t>: </a:t>
-            </a:r>
-            <a:r>
-              <a:rPr lang="en-US" altLang="ko-KR" sz="1800" dirty="0" smtClean="0"/>
-              <a:t>“</a:t>
-            </a:r>
-            <a:r>
-              <a:rPr lang="ko-KR" altLang="en-US" sz="1800" dirty="0" smtClean="0"/>
-              <a:t>서울</a:t>
-            </a:r>
-            <a:r>
-              <a:rPr lang="en-US" altLang="ko-KR" sz="1800" dirty="0" smtClean="0"/>
-              <a:t>”,      </a:t>
-            </a:r>
-            <a:r>
-              <a:rPr lang="en-US" altLang="ko-KR" sz="1800" dirty="0"/>
-              <a:t>“</a:t>
-            </a:r>
-            <a:r>
-              <a:rPr lang="en-US" altLang="ko-KR" sz="1800" dirty="0" err="1"/>
-              <a:t>tel</a:t>
-            </a:r>
-            <a:r>
-              <a:rPr lang="en-US" altLang="ko-KR" sz="1800" dirty="0"/>
-              <a:t>” </a:t>
-            </a:r>
-            <a:r>
-              <a:rPr lang="en-US" altLang="ko-KR" sz="1800" dirty="0" smtClean="0"/>
-              <a:t> </a:t>
-            </a:r>
-            <a:r>
-              <a:rPr lang="en-US" altLang="ko-KR" sz="1800" dirty="0"/>
-              <a:t>: “</a:t>
-            </a:r>
-            <a:r>
-              <a:rPr lang="en-US" altLang="ko-KR" sz="1800" dirty="0" smtClean="0"/>
-              <a:t>010-6789-3456”},</a:t>
-            </a:r>
-          </a:p>
-          <a:p>
-            <a:pPr marL="0" indent="0">
-              <a:buNone/>
-            </a:pPr>
-            <a:r>
-              <a:rPr lang="en-US" altLang="ko-KR" sz="1800" dirty="0"/>
-              <a:t> </a:t>
-            </a:r>
-            <a:r>
-              <a:rPr lang="en-US" altLang="ko-KR" sz="1800" dirty="0" smtClean="0"/>
-              <a:t> { “</a:t>
-            </a:r>
-            <a:r>
-              <a:rPr lang="en-US" altLang="ko-KR" sz="1800" dirty="0"/>
-              <a:t>name” : </a:t>
-            </a:r>
-            <a:r>
-              <a:rPr lang="en-US" altLang="ko-KR" sz="1800" dirty="0" smtClean="0"/>
-              <a:t>“</a:t>
-            </a:r>
-            <a:r>
-              <a:rPr lang="en-US" altLang="ko-KR" sz="1800" dirty="0" err="1" smtClean="0"/>
-              <a:t>kkk</a:t>
-            </a:r>
-            <a:r>
-              <a:rPr lang="en-US" altLang="ko-KR" sz="1800" dirty="0" smtClean="0"/>
-              <a:t>”,       </a:t>
-            </a:r>
-            <a:r>
-              <a:rPr lang="en-US" altLang="ko-KR" sz="1800" dirty="0"/>
-              <a:t>“</a:t>
-            </a:r>
-            <a:r>
-              <a:rPr lang="en-US" altLang="ko-KR" sz="1800" dirty="0" err="1" smtClean="0"/>
-              <a:t>addr</a:t>
-            </a:r>
-            <a:r>
-              <a:rPr lang="en-US" altLang="ko-KR" sz="1800" dirty="0" smtClean="0"/>
-              <a:t>”  </a:t>
-            </a:r>
-            <a:r>
-              <a:rPr lang="en-US" altLang="ko-KR" sz="1800" dirty="0"/>
-              <a:t>: </a:t>
-            </a:r>
-            <a:r>
-              <a:rPr lang="en-US" altLang="ko-KR" sz="1800" dirty="0" smtClean="0"/>
-              <a:t>“</a:t>
-            </a:r>
-            <a:r>
-              <a:rPr lang="ko-KR" altLang="en-US" sz="1800" dirty="0" smtClean="0"/>
-              <a:t>부산</a:t>
-            </a:r>
-            <a:r>
-              <a:rPr lang="en-US" altLang="ko-KR" sz="1800" dirty="0" smtClean="0"/>
-              <a:t>”,      </a:t>
-            </a:r>
-            <a:r>
-              <a:rPr lang="en-US" altLang="ko-KR" sz="1800" dirty="0"/>
-              <a:t>“</a:t>
-            </a:r>
-            <a:r>
-              <a:rPr lang="en-US" altLang="ko-KR" sz="1800" dirty="0" err="1"/>
-              <a:t>tel</a:t>
-            </a:r>
-            <a:r>
-              <a:rPr lang="en-US" altLang="ko-KR" sz="1800" dirty="0" smtClean="0"/>
-              <a:t>”  </a:t>
-            </a:r>
-            <a:r>
-              <a:rPr lang="en-US" altLang="ko-KR" sz="1800" dirty="0"/>
-              <a:t>: “</a:t>
-            </a:r>
-            <a:r>
-              <a:rPr lang="en-US" altLang="ko-KR" sz="1800" dirty="0" smtClean="0"/>
-              <a:t>010-8900-3421”}</a:t>
-            </a:r>
-          </a:p>
-          <a:p>
-            <a:pPr marL="0" indent="0">
-              <a:buNone/>
-            </a:pPr>
-            <a:r>
-              <a:rPr lang="en-US" altLang="ko-KR" sz="1800" dirty="0" smtClean="0"/>
-              <a:t>]</a:t>
-            </a:r>
-          </a:p>
-          <a:p>
-            <a:pPr marL="0" indent="0">
-              <a:buNone/>
-            </a:pPr>
-            <a:endParaRPr lang="ko-KR" altLang="en-US" sz="1800" dirty="0"/>
-          </a:p>
-        </p:txBody>
-      </p:sp>
-      <p:sp>
-        <p:nvSpPr>
-          <p:cNvPr id="4" name="제목 3"/>
-          <p:cNvSpPr>
-            <a:spLocks noGrp="1"/>
-          </p:cNvSpPr>
-          <p:nvPr>
-            <p:ph type="title"/>
-          </p:nvPr>
-        </p:nvSpPr>
-        <p:spPr/>
-        <p:txBody>
-          <a:bodyPr>
-            <a:normAutofit fontScale="90000"/>
-          </a:bodyPr>
-          <a:lstStyle/>
-          <a:p>
-            <a:r>
-              <a:rPr lang="en-US" altLang="ko-KR" dirty="0" err="1" smtClean="0"/>
-              <a:t>json</a:t>
-            </a:r>
-            <a:r>
-              <a:rPr lang="en-US" altLang="ko-KR" dirty="0" smtClean="0"/>
-              <a:t> </a:t>
-            </a:r>
-            <a:r>
-              <a:rPr lang="ko-KR" altLang="en-US" dirty="0" smtClean="0"/>
-              <a:t>형식</a:t>
-            </a:r>
-            <a:r>
-              <a:rPr lang="en-US" altLang="ko-KR" dirty="0" smtClean="0"/>
-              <a:t> </a:t>
-            </a:r>
-            <a:endParaRPr lang="ko-KR" altLang="en-US" dirty="0"/>
-          </a:p>
-        </p:txBody>
-      </p:sp>
-    </p:spTree>
-    <p:extLst>
-      <p:ext uri="{BB962C8B-B14F-4D97-AF65-F5344CB8AC3E}">
-        <p14:creationId xmlns:p14="http://schemas.microsoft.com/office/powerpoint/2010/main" val="4223673524"/>
-      </p:ext>
-    </p:extLst>
-  </p:cSld>
-  <p:clrMapOvr>
-    <a:masterClrMapping/>
-  </p:clrMapOvr>
-  <p:transition spd="med"/>
-  <p:timing>
-    <p:tnLst>
-      <p:par>
-        <p:cTn id="1" dur="indefinite" restart="never" nodeType="tmRoot"/>
-      </p:par>
-    </p:tnLst>
-  </p:timing>
-</p:sld>
-</file>
-
 <file path=ppt/theme/theme1.xml><?xml version="1.0" encoding="utf-8"?>
-<a:theme xmlns:r="http://schemas.openxmlformats.org/officeDocument/2006/relationships" xmlns:c="http://schemas.openxmlformats.org/drawingml/2006/chart" xmlns:dgm="http://schemas.openxmlformats.org/drawingml/2006/diagram" xmlns:dsp="http://schemas.microsoft.com/office/drawing/2008/diagram" xmlns:a="http://schemas.openxmlformats.org/drawingml/2006/main" xmlns:pic="http://schemas.openxmlformats.org/drawingml/2006/picture" xmlns:wp="http://schemas.openxmlformats.org/drawingml/2006/wordprocessingDrawing" xmlns:xdr="http://schemas.openxmlformats.org/drawingml/2006/spreadsheetDrawing" name="1_Crayons">
+<a:theme xmlns:a="http://schemas.openxmlformats.org/drawingml/2006/main" name="1_Crayons">
   <a:themeElements>
     <a:clrScheme name="1_Crayons 1">
       <a:dk1>
         <a:srgbClr val="000000"/>
       </a:dk1>
       <a:lt1>
-        <a:srgbClr val="ffffff"/>
+        <a:srgbClr val="FFFFFF"/>
       </a:lt1>
       <a:dk2>
-        <a:srgbClr val="ff0000"/>
+        <a:srgbClr val="FF0000"/>
       </a:dk2>
       <a:lt2>
-        <a:srgbClr val="ffb800"/>
+        <a:srgbClr val="FFB800"/>
       </a:lt2>
       <a:accent1>
-        <a:srgbClr val="ffef66"/>
+        <a:srgbClr val="FFEF66"/>
       </a:accent1>
       <a:accent2>
         <a:srgbClr val="000000"/>
       </a:accent2>
       <a:accent3>
-        <a:srgbClr val="ffffff"/>
+        <a:srgbClr val="FFFFFF"/>
       </a:accent3>
       <a:accent4>
         <a:srgbClr val="000000"/>
       </a:accent4>
       <a:accent5>
-        <a:srgbClr val="fff6b8"/>
+        <a:srgbClr val="FFF6B8"/>
       </a:accent5>
       <a:accent6>
         <a:srgbClr val="000000"/>
       </a:accent6>
       <a:hlink>
-        <a:srgbClr val="00b200"/>
+        <a:srgbClr val="00B200"/>
       </a:hlink>
       <a:folHlink>
-        <a:srgbClr val="703dff"/>
+        <a:srgbClr val="703DFF"/>
       </a:folHlink>
     </a:clrScheme>
     <a:fontScheme name="1_Crayons">
@@ -11076,18 +11387,19 @@
       <a:lstStyle/>
     </a:txDef>
   </a:objectDefaults>
+  <a:extraClrSchemeLst/>
 </a:theme>
 </file>
 
 <file path=ppt/theme/theme2.xml><?xml version="1.0" encoding="utf-8"?>
-<a:theme xmlns:r="http://schemas.openxmlformats.org/officeDocument/2006/relationships" xmlns:c="http://schemas.openxmlformats.org/drawingml/2006/chart" xmlns:dgm="http://schemas.openxmlformats.org/drawingml/2006/diagram" xmlns:dsp="http://schemas.microsoft.com/office/drawing/2008/diagram" xmlns:a="http://schemas.openxmlformats.org/drawingml/2006/main" xmlns:pic="http://schemas.openxmlformats.org/drawingml/2006/picture" xmlns:wp="http://schemas.openxmlformats.org/drawingml/2006/wordprocessingDrawing" xmlns:xdr="http://schemas.openxmlformats.org/drawingml/2006/spreadsheetDrawing" name="Office 테마">
+<a:theme xmlns:a="http://schemas.openxmlformats.org/drawingml/2006/main" name="Office 테마">
   <a:themeElements>
     <a:clrScheme name="">
       <a:dk1>
         <a:srgbClr val="000000"/>
       </a:dk1>
       <a:lt1>
-        <a:srgbClr val="ffffff"/>
+        <a:srgbClr val="FFFFFF"/>
       </a:lt1>
       <a:dk2>
         <a:srgbClr val="000000"/>
@@ -11096,28 +11408,28 @@
         <a:srgbClr val="808080"/>
       </a:lt2>
       <a:accent1>
-        <a:srgbClr val="bbe0e3"/>
+        <a:srgbClr val="BBE0E3"/>
       </a:accent1>
       <a:accent2>
         <a:srgbClr val="333399"/>
       </a:accent2>
       <a:accent3>
-        <a:srgbClr val="ffffff"/>
+        <a:srgbClr val="FFFFFF"/>
       </a:accent3>
       <a:accent4>
         <a:srgbClr val="000000"/>
       </a:accent4>
       <a:accent5>
-        <a:srgbClr val="daedef"/>
+        <a:srgbClr val="DAEDEF"/>
       </a:accent5>
       <a:accent6>
-        <a:srgbClr val="2d2d8a"/>
+        <a:srgbClr val="2D2D8A"/>
       </a:accent6>
       <a:hlink>
         <a:srgbClr val="009999"/>
       </a:hlink>
       <a:folHlink>
-        <a:srgbClr val="99cc00"/>
+        <a:srgbClr val="99CC00"/>
       </a:folHlink>
     </a:clrScheme>
     <a:fontScheme name="Office">
@@ -11359,18 +11671,20 @@
       </a:bgFillStyleLst>
     </a:fmtScheme>
   </a:themeElements>
+  <a:objectDefaults/>
+  <a:extraClrSchemeLst/>
 </a:theme>
 </file>
 
 <file path=ppt/theme/theme3.xml><?xml version="1.0" encoding="utf-8"?>
-<a:theme xmlns:r="http://schemas.openxmlformats.org/officeDocument/2006/relationships" xmlns:c="http://schemas.openxmlformats.org/drawingml/2006/chart" xmlns:dgm="http://schemas.openxmlformats.org/drawingml/2006/diagram" xmlns:dsp="http://schemas.microsoft.com/office/drawing/2008/diagram" xmlns:a="http://schemas.openxmlformats.org/drawingml/2006/main" xmlns:pic="http://schemas.openxmlformats.org/drawingml/2006/picture" xmlns:wp="http://schemas.openxmlformats.org/drawingml/2006/wordprocessingDrawing" xmlns:xdr="http://schemas.openxmlformats.org/drawingml/2006/spreadsheetDrawing" name="Office 테마">
+<a:theme xmlns:a="http://schemas.openxmlformats.org/drawingml/2006/main" name="Office 테마">
   <a:themeElements>
     <a:clrScheme name="">
       <a:dk1>
         <a:srgbClr val="000000"/>
       </a:dk1>
       <a:lt1>
-        <a:srgbClr val="ffffff"/>
+        <a:srgbClr val="FFFFFF"/>
       </a:lt1>
       <a:dk2>
         <a:srgbClr val="000000"/>
@@ -11379,28 +11693,28 @@
         <a:srgbClr val="808080"/>
       </a:lt2>
       <a:accent1>
-        <a:srgbClr val="bbe0e3"/>
+        <a:srgbClr val="BBE0E3"/>
       </a:accent1>
       <a:accent2>
         <a:srgbClr val="333399"/>
       </a:accent2>
       <a:accent3>
-        <a:srgbClr val="ffffff"/>
+        <a:srgbClr val="FFFFFF"/>
       </a:accent3>
       <a:accent4>
         <a:srgbClr val="000000"/>
       </a:accent4>
       <a:accent5>
-        <a:srgbClr val="daedef"/>
+        <a:srgbClr val="DAEDEF"/>
       </a:accent5>
       <a:accent6>
-        <a:srgbClr val="2d2d8a"/>
+        <a:srgbClr val="2D2D8A"/>
       </a:accent6>
       <a:hlink>
         <a:srgbClr val="009999"/>
       </a:hlink>
       <a:folHlink>
-        <a:srgbClr val="99cc00"/>
+        <a:srgbClr val="99CC00"/>
       </a:folHlink>
     </a:clrScheme>
     <a:fontScheme name="Office">
@@ -11642,5 +11956,7 @@
       </a:bgFillStyleLst>
     </a:fmtScheme>
   </a:themeElements>
+  <a:objectDefaults/>
+  <a:extraClrSchemeLst/>
 </a:theme>
 </file>